--- a/VIVA_Presentation.pptx
+++ b/VIVA_Presentation.pptx
@@ -6,11 +6,19 @@
   </p:sldMasterIdLst>
   <p:sldIdLst>
     <p:sldId id="256" r:id="rId2"/>
-    <p:sldId id="257" r:id="rId3"/>
-    <p:sldId id="258" r:id="rId4"/>
-    <p:sldId id="259" r:id="rId5"/>
-    <p:sldId id="260" r:id="rId6"/>
-    <p:sldId id="261" r:id="rId7"/>
+    <p:sldId id="264" r:id="rId3"/>
+    <p:sldId id="265" r:id="rId4"/>
+    <p:sldId id="262" r:id="rId5"/>
+    <p:sldId id="258" r:id="rId6"/>
+    <p:sldId id="259" r:id="rId7"/>
+    <p:sldId id="268" r:id="rId8"/>
+    <p:sldId id="269" r:id="rId9"/>
+    <p:sldId id="266" r:id="rId10"/>
+    <p:sldId id="270" r:id="rId11"/>
+    <p:sldId id="267" r:id="rId12"/>
+    <p:sldId id="271" r:id="rId13"/>
+    <p:sldId id="272" r:id="rId14"/>
+    <p:sldId id="261" r:id="rId15"/>
   </p:sldIdLst>
   <p:sldSz cx="12192000" cy="6858000"/>
   <p:notesSz cx="6858000" cy="9144000"/>
@@ -109,6 +117,11 @@
       </a:defRPr>
     </a:lvl9pPr>
   </p:defaultTextStyle>
+  <p:extLst>
+    <p:ext uri="{EFAFB233-063F-42B5-8137-9DF3F51BA10A}">
+      <p15:sldGuideLst xmlns:p15="http://schemas.microsoft.com/office/powerpoint/2012/main"/>
+    </p:ext>
+  </p:extLst>
 </p:presentation>
 </file>
 
@@ -261,7 +274,7 @@
           <a:p>
             <a:fld id="{D23A6448-596D-4E74-970B-1A364A3D8151}" type="datetimeFigureOut">
               <a:rPr lang="en-GB" smtClean="0"/>
-              <a:t>06/01/2023</a:t>
+              <a:t>17/01/2023</a:t>
             </a:fld>
             <a:endParaRPr lang="en-GB"/>
           </a:p>
@@ -461,7 +474,7 @@
           <a:p>
             <a:fld id="{D23A6448-596D-4E74-970B-1A364A3D8151}" type="datetimeFigureOut">
               <a:rPr lang="en-GB" smtClean="0"/>
-              <a:t>06/01/2023</a:t>
+              <a:t>17/01/2023</a:t>
             </a:fld>
             <a:endParaRPr lang="en-GB"/>
           </a:p>
@@ -671,7 +684,7 @@
           <a:p>
             <a:fld id="{D23A6448-596D-4E74-970B-1A364A3D8151}" type="datetimeFigureOut">
               <a:rPr lang="en-GB" smtClean="0"/>
-              <a:t>06/01/2023</a:t>
+              <a:t>17/01/2023</a:t>
             </a:fld>
             <a:endParaRPr lang="en-GB"/>
           </a:p>
@@ -871,7 +884,7 @@
           <a:p>
             <a:fld id="{D23A6448-596D-4E74-970B-1A364A3D8151}" type="datetimeFigureOut">
               <a:rPr lang="en-GB" smtClean="0"/>
-              <a:t>06/01/2023</a:t>
+              <a:t>17/01/2023</a:t>
             </a:fld>
             <a:endParaRPr lang="en-GB"/>
           </a:p>
@@ -1147,7 +1160,7 @@
           <a:p>
             <a:fld id="{D23A6448-596D-4E74-970B-1A364A3D8151}" type="datetimeFigureOut">
               <a:rPr lang="en-GB" smtClean="0"/>
-              <a:t>06/01/2023</a:t>
+              <a:t>17/01/2023</a:t>
             </a:fld>
             <a:endParaRPr lang="en-GB"/>
           </a:p>
@@ -1415,7 +1428,7 @@
           <a:p>
             <a:fld id="{D23A6448-596D-4E74-970B-1A364A3D8151}" type="datetimeFigureOut">
               <a:rPr lang="en-GB" smtClean="0"/>
-              <a:t>06/01/2023</a:t>
+              <a:t>17/01/2023</a:t>
             </a:fld>
             <a:endParaRPr lang="en-GB"/>
           </a:p>
@@ -1830,7 +1843,7 @@
           <a:p>
             <a:fld id="{D23A6448-596D-4E74-970B-1A364A3D8151}" type="datetimeFigureOut">
               <a:rPr lang="en-GB" smtClean="0"/>
-              <a:t>06/01/2023</a:t>
+              <a:t>17/01/2023</a:t>
             </a:fld>
             <a:endParaRPr lang="en-GB"/>
           </a:p>
@@ -1972,7 +1985,7 @@
           <a:p>
             <a:fld id="{D23A6448-596D-4E74-970B-1A364A3D8151}" type="datetimeFigureOut">
               <a:rPr lang="en-GB" smtClean="0"/>
-              <a:t>06/01/2023</a:t>
+              <a:t>17/01/2023</a:t>
             </a:fld>
             <a:endParaRPr lang="en-GB"/>
           </a:p>
@@ -2085,7 +2098,7 @@
           <a:p>
             <a:fld id="{D23A6448-596D-4E74-970B-1A364A3D8151}" type="datetimeFigureOut">
               <a:rPr lang="en-GB" smtClean="0"/>
-              <a:t>06/01/2023</a:t>
+              <a:t>17/01/2023</a:t>
             </a:fld>
             <a:endParaRPr lang="en-GB"/>
           </a:p>
@@ -2398,7 +2411,7 @@
           <a:p>
             <a:fld id="{D23A6448-596D-4E74-970B-1A364A3D8151}" type="datetimeFigureOut">
               <a:rPr lang="en-GB" smtClean="0"/>
-              <a:t>06/01/2023</a:t>
+              <a:t>17/01/2023</a:t>
             </a:fld>
             <a:endParaRPr lang="en-GB"/>
           </a:p>
@@ -2687,7 +2700,7 @@
           <a:p>
             <a:fld id="{D23A6448-596D-4E74-970B-1A364A3D8151}" type="datetimeFigureOut">
               <a:rPr lang="en-GB" smtClean="0"/>
-              <a:t>06/01/2023</a:t>
+              <a:t>17/01/2023</a:t>
             </a:fld>
             <a:endParaRPr lang="en-GB"/>
           </a:p>
@@ -2930,7 +2943,7 @@
           <a:p>
             <a:fld id="{D23A6448-596D-4E74-970B-1A364A3D8151}" type="datetimeFigureOut">
               <a:rPr lang="en-GB" smtClean="0"/>
-              <a:t>06/01/2023</a:t>
+              <a:t>17/01/2023</a:t>
             </a:fld>
             <a:endParaRPr lang="en-GB"/>
           </a:p>
@@ -3429,6 +3442,855 @@
 </p:sld>
 </file>
 
+<file path=ppt/slides/slide10.xml><?xml version="1.0" encoding="utf-8"?>
+<p:sld xmlns:a="http://schemas.openxmlformats.org/drawingml/2006/main" xmlns:r="http://schemas.openxmlformats.org/officeDocument/2006/relationships" xmlns:p="http://schemas.openxmlformats.org/presentationml/2006/main">
+  <p:cSld>
+    <p:spTree>
+      <p:nvGrpSpPr>
+        <p:cNvPr id="1" name=""/>
+        <p:cNvGrpSpPr/>
+        <p:nvPr/>
+      </p:nvGrpSpPr>
+      <p:grpSpPr>
+        <a:xfrm>
+          <a:off x="0" y="0"/>
+          <a:ext cx="0" cy="0"/>
+          <a:chOff x="0" y="0"/>
+          <a:chExt cx="0" cy="0"/>
+        </a:xfrm>
+      </p:grpSpPr>
+      <p:sp>
+        <p:nvSpPr>
+          <p:cNvPr id="2" name="Title 1">
+            <a:extLst>
+              <a:ext uri="{FF2B5EF4-FFF2-40B4-BE49-F238E27FC236}">
+                <a16:creationId xmlns:a16="http://schemas.microsoft.com/office/drawing/2014/main" id="{9CC2CF20-BB56-6F34-839D-D0EC8B41BF7E}"/>
+              </a:ext>
+            </a:extLst>
+          </p:cNvPr>
+          <p:cNvSpPr>
+            <a:spLocks noGrp="1"/>
+          </p:cNvSpPr>
+          <p:nvPr>
+            <p:ph type="title"/>
+          </p:nvPr>
+        </p:nvSpPr>
+        <p:spPr/>
+        <p:txBody>
+          <a:bodyPr/>
+          <a:lstStyle/>
+          <a:p>
+            <a:r>
+              <a:rPr lang="en-GB" dirty="0"/>
+              <a:t>Key Results – Quasi-Harmonic Approximation</a:t>
+            </a:r>
+          </a:p>
+        </p:txBody>
+      </p:sp>
+      <p:sp>
+        <p:nvSpPr>
+          <p:cNvPr id="3" name="Content Placeholder 2">
+            <a:extLst>
+              <a:ext uri="{FF2B5EF4-FFF2-40B4-BE49-F238E27FC236}">
+                <a16:creationId xmlns:a16="http://schemas.microsoft.com/office/drawing/2014/main" id="{579CF973-B451-55D2-6155-95A27B39F348}"/>
+              </a:ext>
+            </a:extLst>
+          </p:cNvPr>
+          <p:cNvSpPr>
+            <a:spLocks noGrp="1"/>
+          </p:cNvSpPr>
+          <p:nvPr>
+            <p:ph idx="1"/>
+          </p:nvPr>
+        </p:nvSpPr>
+        <p:spPr>
+          <a:xfrm>
+            <a:off x="696285" y="1825625"/>
+            <a:ext cx="7449425" cy="4351338"/>
+          </a:xfrm>
+        </p:spPr>
+        <p:txBody>
+          <a:bodyPr/>
+          <a:lstStyle/>
+          <a:p>
+            <a:r>
+              <a:rPr lang="en-GB" dirty="0"/>
+              <a:t>Using the QHA, the volume-temperature relationship was established. </a:t>
+            </a:r>
+          </a:p>
+          <a:p>
+            <a:r>
+              <a:rPr lang="en-GB" dirty="0"/>
+              <a:t>This matched reasonably well but some discrepancy at 300 K.</a:t>
+            </a:r>
+          </a:p>
+          <a:p>
+            <a:r>
+              <a:rPr lang="en-GB" dirty="0"/>
+              <a:t>Unit cell with calculated volume at 300 K was used to produce a calculated THz absorption spectrum at 300 K.</a:t>
+            </a:r>
+          </a:p>
+          <a:p>
+            <a:r>
+              <a:rPr lang="en-GB" dirty="0"/>
+              <a:t>This matched well with experiment.</a:t>
+            </a:r>
+          </a:p>
+        </p:txBody>
+      </p:sp>
+      <p:pic>
+        <p:nvPicPr>
+          <p:cNvPr id="6" name="Picture 5" descr="Chart, histogram&#10;&#10;Description automatically generated">
+            <a:extLst>
+              <a:ext uri="{FF2B5EF4-FFF2-40B4-BE49-F238E27FC236}">
+                <a16:creationId xmlns:a16="http://schemas.microsoft.com/office/drawing/2014/main" id="{E628619A-B5C2-8125-86EE-BEB3DBF3E685}"/>
+              </a:ext>
+            </a:extLst>
+          </p:cNvPr>
+          <p:cNvPicPr>
+            <a:picLocks noChangeAspect="1"/>
+          </p:cNvPicPr>
+          <p:nvPr/>
+        </p:nvPicPr>
+        <p:blipFill>
+          <a:blip r:embed="rId2">
+            <a:extLst>
+              <a:ext uri="{28A0092B-C50C-407E-A947-70E740481C1C}">
+                <a14:useLocalDpi xmlns:a14="http://schemas.microsoft.com/office/drawing/2010/main" val="0"/>
+              </a:ext>
+            </a:extLst>
+          </a:blip>
+          <a:stretch>
+            <a:fillRect/>
+          </a:stretch>
+        </p:blipFill>
+        <p:spPr>
+          <a:xfrm>
+            <a:off x="8016208" y="3914727"/>
+            <a:ext cx="3134013" cy="2840596"/>
+          </a:xfrm>
+          <a:prstGeom prst="rect">
+            <a:avLst/>
+          </a:prstGeom>
+        </p:spPr>
+      </p:pic>
+      <p:pic>
+        <p:nvPicPr>
+          <p:cNvPr id="8" name="Picture 7" descr="Chart&#10;&#10;Description automatically generated">
+            <a:extLst>
+              <a:ext uri="{FF2B5EF4-FFF2-40B4-BE49-F238E27FC236}">
+                <a16:creationId xmlns:a16="http://schemas.microsoft.com/office/drawing/2014/main" id="{D900675B-08C9-7475-91D6-939AF4EC7928}"/>
+              </a:ext>
+            </a:extLst>
+          </p:cNvPr>
+          <p:cNvPicPr>
+            <a:picLocks noChangeAspect="1"/>
+          </p:cNvPicPr>
+          <p:nvPr/>
+        </p:nvPicPr>
+        <p:blipFill>
+          <a:blip r:embed="rId3">
+            <a:extLst>
+              <a:ext uri="{28A0092B-C50C-407E-A947-70E740481C1C}">
+                <a14:useLocalDpi xmlns:a14="http://schemas.microsoft.com/office/drawing/2010/main" val="0"/>
+              </a:ext>
+            </a:extLst>
+          </a:blip>
+          <a:stretch>
+            <a:fillRect/>
+          </a:stretch>
+        </p:blipFill>
+        <p:spPr>
+          <a:xfrm>
+            <a:off x="8016208" y="1271281"/>
+            <a:ext cx="3053326" cy="2495376"/>
+          </a:xfrm>
+          <a:prstGeom prst="rect">
+            <a:avLst/>
+          </a:prstGeom>
+        </p:spPr>
+      </p:pic>
+    </p:spTree>
+    <p:extLst>
+      <p:ext uri="{BB962C8B-B14F-4D97-AF65-F5344CB8AC3E}">
+        <p14:creationId xmlns:p14="http://schemas.microsoft.com/office/powerpoint/2010/main" val="1331352665"/>
+      </p:ext>
+    </p:extLst>
+  </p:cSld>
+  <p:clrMapOvr>
+    <a:masterClrMapping/>
+  </p:clrMapOvr>
+</p:sld>
+</file>
+
+<file path=ppt/slides/slide11.xml><?xml version="1.0" encoding="utf-8"?>
+<p:sld xmlns:a="http://schemas.openxmlformats.org/drawingml/2006/main" xmlns:r="http://schemas.openxmlformats.org/officeDocument/2006/relationships" xmlns:p="http://schemas.openxmlformats.org/presentationml/2006/main">
+  <p:cSld>
+    <p:spTree>
+      <p:nvGrpSpPr>
+        <p:cNvPr id="1" name=""/>
+        <p:cNvGrpSpPr/>
+        <p:nvPr/>
+      </p:nvGrpSpPr>
+      <p:grpSpPr>
+        <a:xfrm>
+          <a:off x="0" y="0"/>
+          <a:ext cx="0" cy="0"/>
+          <a:chOff x="0" y="0"/>
+          <a:chExt cx="0" cy="0"/>
+        </a:xfrm>
+      </p:grpSpPr>
+      <p:sp>
+        <p:nvSpPr>
+          <p:cNvPr id="2" name="Title 1">
+            <a:extLst>
+              <a:ext uri="{FF2B5EF4-FFF2-40B4-BE49-F238E27FC236}">
+                <a16:creationId xmlns:a16="http://schemas.microsoft.com/office/drawing/2014/main" id="{9CC2CF20-BB56-6F34-839D-D0EC8B41BF7E}"/>
+              </a:ext>
+            </a:extLst>
+          </p:cNvPr>
+          <p:cNvSpPr>
+            <a:spLocks noGrp="1"/>
+          </p:cNvSpPr>
+          <p:nvPr>
+            <p:ph type="title"/>
+          </p:nvPr>
+        </p:nvSpPr>
+        <p:spPr/>
+        <p:txBody>
+          <a:bodyPr/>
+          <a:lstStyle/>
+          <a:p>
+            <a:r>
+              <a:rPr lang="en-GB" dirty="0"/>
+              <a:t>Key Results – Photoconductive Emitters</a:t>
+            </a:r>
+          </a:p>
+        </p:txBody>
+      </p:sp>
+      <p:sp>
+        <p:nvSpPr>
+          <p:cNvPr id="3" name="Content Placeholder 2">
+            <a:extLst>
+              <a:ext uri="{FF2B5EF4-FFF2-40B4-BE49-F238E27FC236}">
+                <a16:creationId xmlns:a16="http://schemas.microsoft.com/office/drawing/2014/main" id="{579CF973-B451-55D2-6155-95A27B39F348}"/>
+              </a:ext>
+            </a:extLst>
+          </p:cNvPr>
+          <p:cNvSpPr>
+            <a:spLocks noGrp="1"/>
+          </p:cNvSpPr>
+          <p:nvPr>
+            <p:ph idx="1"/>
+          </p:nvPr>
+        </p:nvSpPr>
+        <p:spPr>
+          <a:xfrm>
+            <a:off x="838200" y="1825625"/>
+            <a:ext cx="4430086" cy="4351338"/>
+          </a:xfrm>
+        </p:spPr>
+        <p:txBody>
+          <a:bodyPr>
+            <a:normAutofit lnSpcReduction="10000"/>
+          </a:bodyPr>
+          <a:lstStyle/>
+          <a:p>
+            <a:r>
+              <a:rPr lang="en-GB" dirty="0"/>
+              <a:t>It was found that a 20 µm gap size was the optimal choice for an incident laser power of 70 mW.</a:t>
+            </a:r>
+          </a:p>
+          <a:p>
+            <a:r>
+              <a:rPr lang="en-GB" dirty="0"/>
+              <a:t>Devices on a GaAs substrate performed better than sapphire counterparts at times.</a:t>
+            </a:r>
+          </a:p>
+          <a:p>
+            <a:r>
+              <a:rPr lang="en-GB" dirty="0"/>
+              <a:t>This is attributed to less complex fabrication and ease of alignment. </a:t>
+            </a:r>
+          </a:p>
+        </p:txBody>
+      </p:sp>
+      <p:pic>
+        <p:nvPicPr>
+          <p:cNvPr id="5" name="Picture 4" descr="Chart, line chart&#10;&#10;Description automatically generated">
+            <a:extLst>
+              <a:ext uri="{FF2B5EF4-FFF2-40B4-BE49-F238E27FC236}">
+                <a16:creationId xmlns:a16="http://schemas.microsoft.com/office/drawing/2014/main" id="{45F6BAA2-07A6-D790-4156-9C5CD8FBED68}"/>
+              </a:ext>
+            </a:extLst>
+          </p:cNvPr>
+          <p:cNvPicPr>
+            <a:picLocks noChangeAspect="1"/>
+          </p:cNvPicPr>
+          <p:nvPr/>
+        </p:nvPicPr>
+        <p:blipFill>
+          <a:blip r:embed="rId2">
+            <a:extLst>
+              <a:ext uri="{28A0092B-C50C-407E-A947-70E740481C1C}">
+                <a14:useLocalDpi xmlns:a14="http://schemas.microsoft.com/office/drawing/2010/main" val="0"/>
+              </a:ext>
+            </a:extLst>
+          </a:blip>
+          <a:stretch>
+            <a:fillRect/>
+          </a:stretch>
+        </p:blipFill>
+        <p:spPr>
+          <a:xfrm>
+            <a:off x="8590823" y="4001294"/>
+            <a:ext cx="3471798" cy="2830789"/>
+          </a:xfrm>
+          <a:prstGeom prst="rect">
+            <a:avLst/>
+          </a:prstGeom>
+        </p:spPr>
+      </p:pic>
+      <p:pic>
+        <p:nvPicPr>
+          <p:cNvPr id="7" name="Picture 6" descr="Chart, line chart&#10;&#10;Description automatically generated">
+            <a:extLst>
+              <a:ext uri="{FF2B5EF4-FFF2-40B4-BE49-F238E27FC236}">
+                <a16:creationId xmlns:a16="http://schemas.microsoft.com/office/drawing/2014/main" id="{989C3894-52FE-3998-4CCE-6CA5D24B0E71}"/>
+              </a:ext>
+            </a:extLst>
+          </p:cNvPr>
+          <p:cNvPicPr>
+            <a:picLocks noChangeAspect="1"/>
+          </p:cNvPicPr>
+          <p:nvPr/>
+        </p:nvPicPr>
+        <p:blipFill>
+          <a:blip r:embed="rId3">
+            <a:extLst>
+              <a:ext uri="{28A0092B-C50C-407E-A947-70E740481C1C}">
+                <a14:useLocalDpi xmlns:a14="http://schemas.microsoft.com/office/drawing/2010/main" val="0"/>
+              </a:ext>
+            </a:extLst>
+          </a:blip>
+          <a:stretch>
+            <a:fillRect/>
+          </a:stretch>
+        </p:blipFill>
+        <p:spPr>
+          <a:xfrm>
+            <a:off x="5307345" y="4061766"/>
+            <a:ext cx="3471799" cy="2770317"/>
+          </a:xfrm>
+          <a:prstGeom prst="rect">
+            <a:avLst/>
+          </a:prstGeom>
+        </p:spPr>
+      </p:pic>
+      <p:pic>
+        <p:nvPicPr>
+          <p:cNvPr id="9" name="Picture 8" descr="Chart&#10;&#10;Description automatically generated">
+            <a:extLst>
+              <a:ext uri="{FF2B5EF4-FFF2-40B4-BE49-F238E27FC236}">
+                <a16:creationId xmlns:a16="http://schemas.microsoft.com/office/drawing/2014/main" id="{BB131B3E-7CEC-578A-913C-5C9031BC5F1D}"/>
+              </a:ext>
+            </a:extLst>
+          </p:cNvPr>
+          <p:cNvPicPr>
+            <a:picLocks noChangeAspect="1"/>
+          </p:cNvPicPr>
+          <p:nvPr/>
+        </p:nvPicPr>
+        <p:blipFill>
+          <a:blip r:embed="rId4">
+            <a:extLst>
+              <a:ext uri="{28A0092B-C50C-407E-A947-70E740481C1C}">
+                <a14:useLocalDpi xmlns:a14="http://schemas.microsoft.com/office/drawing/2010/main" val="0"/>
+              </a:ext>
+            </a:extLst>
+          </a:blip>
+          <a:stretch>
+            <a:fillRect/>
+          </a:stretch>
+        </p:blipFill>
+        <p:spPr>
+          <a:xfrm>
+            <a:off x="7080536" y="1247775"/>
+            <a:ext cx="3397216" cy="2783755"/>
+          </a:xfrm>
+          <a:prstGeom prst="rect">
+            <a:avLst/>
+          </a:prstGeom>
+        </p:spPr>
+      </p:pic>
+    </p:spTree>
+    <p:extLst>
+      <p:ext uri="{BB962C8B-B14F-4D97-AF65-F5344CB8AC3E}">
+        <p14:creationId xmlns:p14="http://schemas.microsoft.com/office/powerpoint/2010/main" val="3700538003"/>
+      </p:ext>
+    </p:extLst>
+  </p:cSld>
+  <p:clrMapOvr>
+    <a:masterClrMapping/>
+  </p:clrMapOvr>
+</p:sld>
+</file>
+
+<file path=ppt/slides/slide12.xml><?xml version="1.0" encoding="utf-8"?>
+<p:sld xmlns:a="http://schemas.openxmlformats.org/drawingml/2006/main" xmlns:r="http://schemas.openxmlformats.org/officeDocument/2006/relationships" xmlns:p="http://schemas.openxmlformats.org/presentationml/2006/main">
+  <p:cSld>
+    <p:spTree>
+      <p:nvGrpSpPr>
+        <p:cNvPr id="1" name=""/>
+        <p:cNvGrpSpPr/>
+        <p:nvPr/>
+      </p:nvGrpSpPr>
+      <p:grpSpPr>
+        <a:xfrm>
+          <a:off x="0" y="0"/>
+          <a:ext cx="0" cy="0"/>
+          <a:chOff x="0" y="0"/>
+          <a:chExt cx="0" cy="0"/>
+        </a:xfrm>
+      </p:grpSpPr>
+      <p:sp>
+        <p:nvSpPr>
+          <p:cNvPr id="2" name="Title 1">
+            <a:extLst>
+              <a:ext uri="{FF2B5EF4-FFF2-40B4-BE49-F238E27FC236}">
+                <a16:creationId xmlns:a16="http://schemas.microsoft.com/office/drawing/2014/main" id="{9CC2CF20-BB56-6F34-839D-D0EC8B41BF7E}"/>
+              </a:ext>
+            </a:extLst>
+          </p:cNvPr>
+          <p:cNvSpPr>
+            <a:spLocks noGrp="1"/>
+          </p:cNvSpPr>
+          <p:nvPr>
+            <p:ph type="title"/>
+          </p:nvPr>
+        </p:nvSpPr>
+        <p:spPr/>
+        <p:txBody>
+          <a:bodyPr/>
+          <a:lstStyle/>
+          <a:p>
+            <a:r>
+              <a:rPr lang="en-GB" dirty="0"/>
+              <a:t>Other Investigations</a:t>
+            </a:r>
+          </a:p>
+        </p:txBody>
+      </p:sp>
+      <p:sp>
+        <p:nvSpPr>
+          <p:cNvPr id="3" name="Content Placeholder 2">
+            <a:extLst>
+              <a:ext uri="{FF2B5EF4-FFF2-40B4-BE49-F238E27FC236}">
+                <a16:creationId xmlns:a16="http://schemas.microsoft.com/office/drawing/2014/main" id="{579CF973-B451-55D2-6155-95A27B39F348}"/>
+              </a:ext>
+            </a:extLst>
+          </p:cNvPr>
+          <p:cNvSpPr>
+            <a:spLocks noGrp="1"/>
+          </p:cNvSpPr>
+          <p:nvPr>
+            <p:ph idx="1"/>
+          </p:nvPr>
+        </p:nvSpPr>
+        <p:spPr>
+          <a:xfrm>
+            <a:off x="838200" y="1825625"/>
+            <a:ext cx="6938394" cy="4351338"/>
+          </a:xfrm>
+        </p:spPr>
+        <p:txBody>
+          <a:bodyPr>
+            <a:normAutofit/>
+          </a:bodyPr>
+          <a:lstStyle/>
+          <a:p>
+            <a:r>
+              <a:rPr lang="en-GB" dirty="0"/>
+              <a:t>Other systems were investigated but these were not finished owing either to computational resources or work being halted for COVID.</a:t>
+            </a:r>
+          </a:p>
+          <a:p>
+            <a:r>
+              <a:rPr lang="en-GB" dirty="0"/>
+              <a:t>The THz absorption of Cysteine was measured but calculation proved challenging.</a:t>
+            </a:r>
+          </a:p>
+          <a:p>
+            <a:r>
+              <a:rPr lang="en-GB" dirty="0"/>
+              <a:t>Fe(</a:t>
+            </a:r>
+            <a:r>
+              <a:rPr lang="en-GB" dirty="0" err="1"/>
+              <a:t>acac</a:t>
+            </a:r>
+            <a:r>
+              <a:rPr lang="en-GB" dirty="0"/>
+              <a:t>)</a:t>
+            </a:r>
+            <a:r>
+              <a:rPr lang="en-GB" baseline="-25000" dirty="0"/>
+              <a:t>3 </a:t>
+            </a:r>
+            <a:r>
+              <a:rPr lang="en-GB" dirty="0"/>
+              <a:t>was measured but owing to the Fe centre and large ligands, this was unfeasible to calculated using DFT at present.</a:t>
+            </a:r>
+          </a:p>
+        </p:txBody>
+      </p:sp>
+      <p:pic>
+        <p:nvPicPr>
+          <p:cNvPr id="4" name="Picture 3">
+            <a:extLst>
+              <a:ext uri="{FF2B5EF4-FFF2-40B4-BE49-F238E27FC236}">
+                <a16:creationId xmlns:a16="http://schemas.microsoft.com/office/drawing/2014/main" id="{CCB9BD33-1969-2920-8B1B-9F55E425E9E2}"/>
+              </a:ext>
+            </a:extLst>
+          </p:cNvPr>
+          <p:cNvPicPr>
+            <a:picLocks noChangeAspect="1"/>
+          </p:cNvPicPr>
+          <p:nvPr/>
+        </p:nvPicPr>
+        <p:blipFill rotWithShape="1">
+          <a:blip r:embed="rId2" cstate="print">
+            <a:extLst>
+              <a:ext uri="{28A0092B-C50C-407E-A947-70E740481C1C}">
+                <a14:useLocalDpi xmlns:a14="http://schemas.microsoft.com/office/drawing/2010/main" val="0"/>
+              </a:ext>
+            </a:extLst>
+          </a:blip>
+          <a:srcRect l="9537" t="1846" r="11712" b="6575"/>
+          <a:stretch/>
+        </p:blipFill>
+        <p:spPr bwMode="auto">
+          <a:xfrm>
+            <a:off x="8147027" y="566899"/>
+            <a:ext cx="3449061" cy="3069697"/>
+          </a:xfrm>
+          <a:prstGeom prst="rect">
+            <a:avLst/>
+          </a:prstGeom>
+          <a:ln>
+            <a:noFill/>
+          </a:ln>
+          <a:extLst>
+            <a:ext uri="{53640926-AAD7-44D8-BBD7-CCE9431645EC}">
+              <a14:shadowObscured xmlns:a14="http://schemas.microsoft.com/office/drawing/2010/main"/>
+            </a:ext>
+          </a:extLst>
+        </p:spPr>
+      </p:pic>
+      <p:pic>
+        <p:nvPicPr>
+          <p:cNvPr id="6" name="Picture 5">
+            <a:extLst>
+              <a:ext uri="{FF2B5EF4-FFF2-40B4-BE49-F238E27FC236}">
+                <a16:creationId xmlns:a16="http://schemas.microsoft.com/office/drawing/2014/main" id="{BF3125FC-479D-88E3-AAE8-34C6D791FDB1}"/>
+              </a:ext>
+            </a:extLst>
+          </p:cNvPr>
+          <p:cNvPicPr>
+            <a:picLocks noChangeAspect="1"/>
+          </p:cNvPicPr>
+          <p:nvPr/>
+        </p:nvPicPr>
+        <p:blipFill rotWithShape="1">
+          <a:blip r:embed="rId3" cstate="print">
+            <a:extLst>
+              <a:ext uri="{28A0092B-C50C-407E-A947-70E740481C1C}">
+                <a14:useLocalDpi xmlns:a14="http://schemas.microsoft.com/office/drawing/2010/main" val="0"/>
+              </a:ext>
+            </a:extLst>
+          </a:blip>
+          <a:srcRect l="8653" t="3000" r="11183" b="5883"/>
+          <a:stretch/>
+        </p:blipFill>
+        <p:spPr bwMode="auto">
+          <a:xfrm>
+            <a:off x="8082420" y="3636596"/>
+            <a:ext cx="3578277" cy="3115255"/>
+          </a:xfrm>
+          <a:prstGeom prst="rect">
+            <a:avLst/>
+          </a:prstGeom>
+          <a:ln>
+            <a:noFill/>
+          </a:ln>
+          <a:extLst>
+            <a:ext uri="{53640926-AAD7-44D8-BBD7-CCE9431645EC}">
+              <a14:shadowObscured xmlns:a14="http://schemas.microsoft.com/office/drawing/2010/main"/>
+            </a:ext>
+          </a:extLst>
+        </p:spPr>
+      </p:pic>
+    </p:spTree>
+    <p:extLst>
+      <p:ext uri="{BB962C8B-B14F-4D97-AF65-F5344CB8AC3E}">
+        <p14:creationId xmlns:p14="http://schemas.microsoft.com/office/powerpoint/2010/main" val="523876332"/>
+      </p:ext>
+    </p:extLst>
+  </p:cSld>
+  <p:clrMapOvr>
+    <a:masterClrMapping/>
+  </p:clrMapOvr>
+</p:sld>
+</file>
+
+<file path=ppt/slides/slide13.xml><?xml version="1.0" encoding="utf-8"?>
+<p:sld xmlns:a="http://schemas.openxmlformats.org/drawingml/2006/main" xmlns:r="http://schemas.openxmlformats.org/officeDocument/2006/relationships" xmlns:p="http://schemas.openxmlformats.org/presentationml/2006/main">
+  <p:cSld>
+    <p:spTree>
+      <p:nvGrpSpPr>
+        <p:cNvPr id="1" name=""/>
+        <p:cNvGrpSpPr/>
+        <p:nvPr/>
+      </p:nvGrpSpPr>
+      <p:grpSpPr>
+        <a:xfrm>
+          <a:off x="0" y="0"/>
+          <a:ext cx="0" cy="0"/>
+          <a:chOff x="0" y="0"/>
+          <a:chExt cx="0" cy="0"/>
+        </a:xfrm>
+      </p:grpSpPr>
+      <p:sp>
+        <p:nvSpPr>
+          <p:cNvPr id="2" name="Title 1">
+            <a:extLst>
+              <a:ext uri="{FF2B5EF4-FFF2-40B4-BE49-F238E27FC236}">
+                <a16:creationId xmlns:a16="http://schemas.microsoft.com/office/drawing/2014/main" id="{9CC2CF20-BB56-6F34-839D-D0EC8B41BF7E}"/>
+              </a:ext>
+            </a:extLst>
+          </p:cNvPr>
+          <p:cNvSpPr>
+            <a:spLocks noGrp="1"/>
+          </p:cNvSpPr>
+          <p:nvPr>
+            <p:ph type="title"/>
+          </p:nvPr>
+        </p:nvSpPr>
+        <p:spPr/>
+        <p:txBody>
+          <a:bodyPr/>
+          <a:lstStyle/>
+          <a:p>
+            <a:r>
+              <a:rPr lang="en-GB" dirty="0"/>
+              <a:t>Other Investigations</a:t>
+            </a:r>
+          </a:p>
+        </p:txBody>
+      </p:sp>
+      <p:sp>
+        <p:nvSpPr>
+          <p:cNvPr id="3" name="Content Placeholder 2">
+            <a:extLst>
+              <a:ext uri="{FF2B5EF4-FFF2-40B4-BE49-F238E27FC236}">
+                <a16:creationId xmlns:a16="http://schemas.microsoft.com/office/drawing/2014/main" id="{579CF973-B451-55D2-6155-95A27B39F348}"/>
+              </a:ext>
+            </a:extLst>
+          </p:cNvPr>
+          <p:cNvSpPr>
+            <a:spLocks noGrp="1"/>
+          </p:cNvSpPr>
+          <p:nvPr>
+            <p:ph idx="1"/>
+          </p:nvPr>
+        </p:nvSpPr>
+        <p:spPr>
+          <a:xfrm>
+            <a:off x="838200" y="1825625"/>
+            <a:ext cx="6938394" cy="4351338"/>
+          </a:xfrm>
+        </p:spPr>
+        <p:txBody>
+          <a:bodyPr>
+            <a:normAutofit/>
+          </a:bodyPr>
+          <a:lstStyle/>
+          <a:p>
+            <a:r>
+              <a:rPr lang="en-GB" dirty="0"/>
+              <a:t>JC1 is an organic molecule used as a ligand and JC2 is a Pt compound with a ligand similar to JC1.</a:t>
+            </a:r>
+          </a:p>
+          <a:p>
+            <a:r>
+              <a:rPr lang="en-GB" dirty="0"/>
+              <a:t>This would have been a collaboration with Sheffield University but was halted owing to COVID.</a:t>
+            </a:r>
+          </a:p>
+        </p:txBody>
+      </p:sp>
+      <p:pic>
+        <p:nvPicPr>
+          <p:cNvPr id="5" name="Picture 4" descr="A close up of a map&#10;&#10;Description automatically generated">
+            <a:extLst>
+              <a:ext uri="{FF2B5EF4-FFF2-40B4-BE49-F238E27FC236}">
+                <a16:creationId xmlns:a16="http://schemas.microsoft.com/office/drawing/2014/main" id="{65803AE4-4BC3-E6CB-162C-927502A4A234}"/>
+              </a:ext>
+            </a:extLst>
+          </p:cNvPr>
+          <p:cNvPicPr>
+            <a:picLocks noChangeAspect="1"/>
+          </p:cNvPicPr>
+          <p:nvPr/>
+        </p:nvPicPr>
+        <p:blipFill rotWithShape="1">
+          <a:blip r:embed="rId2" cstate="print">
+            <a:extLst>
+              <a:ext uri="{28A0092B-C50C-407E-A947-70E740481C1C}">
+                <a14:useLocalDpi xmlns:a14="http://schemas.microsoft.com/office/drawing/2010/main" val="0"/>
+              </a:ext>
+            </a:extLst>
+          </a:blip>
+          <a:srcRect l="4446" t="6375" r="4728" b="5549"/>
+          <a:stretch/>
+        </p:blipFill>
+        <p:spPr bwMode="auto">
+          <a:xfrm>
+            <a:off x="7650760" y="1971301"/>
+            <a:ext cx="4001303" cy="3478883"/>
+          </a:xfrm>
+          <a:prstGeom prst="rect">
+            <a:avLst/>
+          </a:prstGeom>
+          <a:ln>
+            <a:noFill/>
+          </a:ln>
+          <a:extLst>
+            <a:ext uri="{53640926-AAD7-44D8-BBD7-CCE9431645EC}">
+              <a14:shadowObscured xmlns:a14="http://schemas.microsoft.com/office/drawing/2010/main"/>
+            </a:ext>
+          </a:extLst>
+        </p:spPr>
+      </p:pic>
+    </p:spTree>
+    <p:extLst>
+      <p:ext uri="{BB962C8B-B14F-4D97-AF65-F5344CB8AC3E}">
+        <p14:creationId xmlns:p14="http://schemas.microsoft.com/office/powerpoint/2010/main" val="419963671"/>
+      </p:ext>
+    </p:extLst>
+  </p:cSld>
+  <p:clrMapOvr>
+    <a:masterClrMapping/>
+  </p:clrMapOvr>
+</p:sld>
+</file>
+
+<file path=ppt/slides/slide14.xml><?xml version="1.0" encoding="utf-8"?>
+<p:sld xmlns:a="http://schemas.openxmlformats.org/drawingml/2006/main" xmlns:r="http://schemas.openxmlformats.org/officeDocument/2006/relationships" xmlns:p="http://schemas.openxmlformats.org/presentationml/2006/main">
+  <p:cSld>
+    <p:spTree>
+      <p:nvGrpSpPr>
+        <p:cNvPr id="1" name=""/>
+        <p:cNvGrpSpPr/>
+        <p:nvPr/>
+      </p:nvGrpSpPr>
+      <p:grpSpPr>
+        <a:xfrm>
+          <a:off x="0" y="0"/>
+          <a:ext cx="0" cy="0"/>
+          <a:chOff x="0" y="0"/>
+          <a:chExt cx="0" cy="0"/>
+        </a:xfrm>
+      </p:grpSpPr>
+      <p:sp>
+        <p:nvSpPr>
+          <p:cNvPr id="2" name="Title 1">
+            <a:extLst>
+              <a:ext uri="{FF2B5EF4-FFF2-40B4-BE49-F238E27FC236}">
+                <a16:creationId xmlns:a16="http://schemas.microsoft.com/office/drawing/2014/main" id="{CA9647AC-9932-7A68-370E-E1621D2C945F}"/>
+              </a:ext>
+            </a:extLst>
+          </p:cNvPr>
+          <p:cNvSpPr>
+            <a:spLocks noGrp="1"/>
+          </p:cNvSpPr>
+          <p:nvPr>
+            <p:ph type="title"/>
+          </p:nvPr>
+        </p:nvSpPr>
+        <p:spPr/>
+        <p:txBody>
+          <a:bodyPr/>
+          <a:lstStyle/>
+          <a:p>
+            <a:r>
+              <a:rPr lang="en-GB" dirty="0"/>
+              <a:t>Conclusions</a:t>
+            </a:r>
+          </a:p>
+        </p:txBody>
+      </p:sp>
+      <p:sp>
+        <p:nvSpPr>
+          <p:cNvPr id="3" name="Content Placeholder 2">
+            <a:extLst>
+              <a:ext uri="{FF2B5EF4-FFF2-40B4-BE49-F238E27FC236}">
+                <a16:creationId xmlns:a16="http://schemas.microsoft.com/office/drawing/2014/main" id="{AFFAF48A-7566-70F4-90F6-7B2AFD3727CC}"/>
+              </a:ext>
+            </a:extLst>
+          </p:cNvPr>
+          <p:cNvSpPr>
+            <a:spLocks noGrp="1"/>
+          </p:cNvSpPr>
+          <p:nvPr>
+            <p:ph idx="1"/>
+          </p:nvPr>
+        </p:nvSpPr>
+        <p:spPr/>
+        <p:txBody>
+          <a:bodyPr/>
+          <a:lstStyle/>
+          <a:p>
+            <a:r>
+              <a:rPr lang="en-GB" dirty="0"/>
+              <a:t>It was found that the D3 correction was the most suitable for </a:t>
+            </a:r>
+            <a:r>
+              <a:rPr lang="el-GR" dirty="0"/>
+              <a:t>α</a:t>
+            </a:r>
+            <a:r>
+              <a:rPr lang="en-GB" dirty="0"/>
+              <a:t>LM, which would suggest that it should be used for further study of organic crystals.</a:t>
+            </a:r>
+          </a:p>
+          <a:p>
+            <a:r>
+              <a:rPr lang="en-GB" dirty="0"/>
+              <a:t>The calculated spectrum at 300 K showed excellent correlation with experiment but some thermodynamic properties were not accurately calculated.</a:t>
+            </a:r>
+          </a:p>
+          <a:p>
+            <a:r>
+              <a:rPr lang="en-GB" dirty="0"/>
+              <a:t>A 20 µm gap size was deemed as optimal for an incident laser power of 70 mW. Whilst GaAs devices are easier to align and have similar THz outputs, their transparency of sapphire devices is a key factor for future work.</a:t>
+            </a:r>
+          </a:p>
+        </p:txBody>
+      </p:sp>
+    </p:spTree>
+    <p:extLst>
+      <p:ext uri="{BB962C8B-B14F-4D97-AF65-F5344CB8AC3E}">
+        <p14:creationId xmlns:p14="http://schemas.microsoft.com/office/powerpoint/2010/main" val="4167899392"/>
+      </p:ext>
+    </p:extLst>
+  </p:cSld>
+  <p:clrMapOvr>
+    <a:masterClrMapping/>
+  </p:clrMapOvr>
+</p:sld>
+</file>
+
 <file path=ppt/slides/slide2.xml><?xml version="1.0" encoding="utf-8"?>
 <p:sld xmlns:a="http://schemas.openxmlformats.org/drawingml/2006/main" xmlns:r="http://schemas.openxmlformats.org/officeDocument/2006/relationships" xmlns:p="http://schemas.openxmlformats.org/presentationml/2006/main">
   <p:cSld>
@@ -3492,17 +4354,40 @@
         </p:nvSpPr>
         <p:spPr/>
         <p:txBody>
-          <a:bodyPr/>
-          <a:lstStyle/>
-          <a:p>
-            <a:endParaRPr lang="en-GB"/>
+          <a:bodyPr>
+            <a:normAutofit/>
+          </a:bodyPr>
+          <a:lstStyle/>
+          <a:p>
+            <a:r>
+              <a:rPr lang="en-GB" dirty="0"/>
+              <a:t>Initially to improve the interpretation of THz-TD spectra to the point where 2D THz-TD spectra could be interpreted.</a:t>
+            </a:r>
+          </a:p>
+          <a:p>
+            <a:r>
+              <a:rPr lang="en-GB" dirty="0"/>
+              <a:t>Also to construct a new THz-TDS system that took advantage of optically transparent substrates and included an ATR unit.</a:t>
+            </a:r>
+          </a:p>
+          <a:p>
+            <a:r>
+              <a:rPr lang="en-GB" dirty="0"/>
+              <a:t>Owing to COVID-19 and other challenges, these targets had to be adjusted throughout.</a:t>
+            </a:r>
+          </a:p>
+          <a:p>
+            <a:pPr marL="0" indent="0">
+              <a:buNone/>
+            </a:pPr>
+            <a:endParaRPr lang="en-GB" sz="2400" dirty="0"/>
           </a:p>
         </p:txBody>
       </p:sp>
     </p:spTree>
     <p:extLst>
       <p:ext uri="{BB962C8B-B14F-4D97-AF65-F5344CB8AC3E}">
-        <p14:creationId xmlns:p14="http://schemas.microsoft.com/office/powerpoint/2010/main" val="1773951649"/>
+        <p14:creationId xmlns:p14="http://schemas.microsoft.com/office/powerpoint/2010/main" val="37237485"/>
       </p:ext>
     </p:extLst>
   </p:cSld>
@@ -3534,7 +4419,7 @@
           <p:cNvPr id="2" name="Title 1">
             <a:extLst>
               <a:ext uri="{FF2B5EF4-FFF2-40B4-BE49-F238E27FC236}">
-                <a16:creationId xmlns:a16="http://schemas.microsoft.com/office/drawing/2014/main" id="{E3908531-B164-5EE2-A81A-339DC63E1BAB}"/>
+                <a16:creationId xmlns:a16="http://schemas.microsoft.com/office/drawing/2014/main" id="{BA61B1CD-69B1-89C8-119A-1A7176702559}"/>
               </a:ext>
             </a:extLst>
           </p:cNvPr>
@@ -3552,7 +4437,7 @@
           <a:p>
             <a:r>
               <a:rPr lang="en-GB" dirty="0"/>
-              <a:t>Experimental Methods</a:t>
+              <a:t>Project Aims</a:t>
             </a:r>
           </a:p>
         </p:txBody>
@@ -3562,7 +4447,7 @@
           <p:cNvPr id="3" name="Content Placeholder 2">
             <a:extLst>
               <a:ext uri="{FF2B5EF4-FFF2-40B4-BE49-F238E27FC236}">
-                <a16:creationId xmlns:a16="http://schemas.microsoft.com/office/drawing/2014/main" id="{F0CAB385-3D50-B259-37BD-A5C62AE54654}"/>
+                <a16:creationId xmlns:a16="http://schemas.microsoft.com/office/drawing/2014/main" id="{1041B9E5-7CFE-A548-87A6-821053CE51E0}"/>
               </a:ext>
             </a:extLst>
           </p:cNvPr>
@@ -3575,17 +4460,42 @@
         </p:nvSpPr>
         <p:spPr/>
         <p:txBody>
-          <a:bodyPr/>
-          <a:lstStyle/>
-          <a:p>
-            <a:endParaRPr lang="en-GB"/>
+          <a:bodyPr>
+            <a:normAutofit/>
+          </a:bodyPr>
+          <a:lstStyle/>
+          <a:p>
+            <a:r>
+              <a:rPr lang="en-GB" dirty="0"/>
+              <a:t>My focus switched to improving the correlation between experimental and calculated spectra and understanding the underlying phenomena.</a:t>
+            </a:r>
+          </a:p>
+          <a:p>
+            <a:r>
+              <a:rPr lang="en-GB" dirty="0"/>
+              <a:t>This was primarily with organic crystals, specifically </a:t>
+            </a:r>
+            <a:r>
+              <a:rPr lang="el-GR" dirty="0"/>
+              <a:t>α</a:t>
+            </a:r>
+            <a:r>
+              <a:rPr lang="en-GB" dirty="0"/>
+              <a:t>LM, but investigations into other types of systems were attempted.</a:t>
+            </a:r>
+          </a:p>
+          <a:p>
+            <a:r>
+              <a:rPr lang="en-GB" dirty="0"/>
+              <a:t>Additionally, owing to the constraints on the new THz-TDS system, the gap-sizes of PC emitters were optimised for lower laser powers.</a:t>
+            </a:r>
           </a:p>
         </p:txBody>
       </p:sp>
     </p:spTree>
     <p:extLst>
       <p:ext uri="{BB962C8B-B14F-4D97-AF65-F5344CB8AC3E}">
-        <p14:creationId xmlns:p14="http://schemas.microsoft.com/office/powerpoint/2010/main" val="1830735753"/>
+        <p14:creationId xmlns:p14="http://schemas.microsoft.com/office/powerpoint/2010/main" val="4255108410"/>
       </p:ext>
     </p:extLst>
   </p:cSld>
@@ -3617,7 +4527,7 @@
           <p:cNvPr id="2" name="Title 1">
             <a:extLst>
               <a:ext uri="{FF2B5EF4-FFF2-40B4-BE49-F238E27FC236}">
-                <a16:creationId xmlns:a16="http://schemas.microsoft.com/office/drawing/2014/main" id="{907FB7DE-17BF-792E-316B-3D664E3B1989}"/>
+                <a16:creationId xmlns:a16="http://schemas.microsoft.com/office/drawing/2014/main" id="{BA61B1CD-69B1-89C8-119A-1A7176702559}"/>
               </a:ext>
             </a:extLst>
           </p:cNvPr>
@@ -3634,8 +4544,12 @@
           <a:lstStyle/>
           <a:p>
             <a:r>
-              <a:rPr lang="en-GB" dirty="0"/>
-              <a:t>Computational Methods</a:t>
+              <a:rPr lang="el-GR" dirty="0"/>
+              <a:t>α</a:t>
+            </a:r>
+            <a:r>
+              <a:rPr lang="en-GB" dirty="0"/>
+              <a:t>-Lactose Monohydrate </a:t>
             </a:r>
           </a:p>
         </p:txBody>
@@ -3645,7 +4559,7 @@
           <p:cNvPr id="3" name="Content Placeholder 2">
             <a:extLst>
               <a:ext uri="{FF2B5EF4-FFF2-40B4-BE49-F238E27FC236}">
-                <a16:creationId xmlns:a16="http://schemas.microsoft.com/office/drawing/2014/main" id="{F7437915-7DE1-421B-A51C-532F29CD359B}"/>
+                <a16:creationId xmlns:a16="http://schemas.microsoft.com/office/drawing/2014/main" id="{1041B9E5-7CFE-A548-87A6-821053CE51E0}"/>
               </a:ext>
             </a:extLst>
           </p:cNvPr>
@@ -3656,19 +4570,108 @@
             <p:ph idx="1"/>
           </p:nvPr>
         </p:nvSpPr>
-        <p:spPr/>
-        <p:txBody>
-          <a:bodyPr/>
-          <a:lstStyle/>
-          <a:p>
-            <a:endParaRPr lang="en-GB"/>
-          </a:p>
-        </p:txBody>
-      </p:sp>
+        <p:spPr>
+          <a:xfrm>
+            <a:off x="838200" y="1825625"/>
+            <a:ext cx="5445154" cy="4351338"/>
+          </a:xfrm>
+        </p:spPr>
+        <p:txBody>
+          <a:bodyPr/>
+          <a:lstStyle/>
+          <a:p>
+            <a:r>
+              <a:rPr lang="el-GR" dirty="0"/>
+              <a:t>α</a:t>
+            </a:r>
+            <a:r>
+              <a:rPr lang="en-GB" dirty="0"/>
+              <a:t>LM was focused on in this work because of its sharp peak at 0.52 GHz.</a:t>
+            </a:r>
+          </a:p>
+          <a:p>
+            <a:r>
+              <a:rPr lang="en-GB" dirty="0"/>
+              <a:t>This peak does not shift with temperature which is unusual for phonon modes.</a:t>
+            </a:r>
+          </a:p>
+        </p:txBody>
+      </p:sp>
+      <p:pic>
+        <p:nvPicPr>
+          <p:cNvPr id="5" name="Picture 4" descr="Diagram&#10;&#10;Description automatically generated">
+            <a:extLst>
+              <a:ext uri="{FF2B5EF4-FFF2-40B4-BE49-F238E27FC236}">
+                <a16:creationId xmlns:a16="http://schemas.microsoft.com/office/drawing/2014/main" id="{256EB01B-8462-B1C1-AB44-9C4B8CE064F2}"/>
+              </a:ext>
+            </a:extLst>
+          </p:cNvPr>
+          <p:cNvPicPr>
+            <a:picLocks noChangeAspect="1"/>
+          </p:cNvPicPr>
+          <p:nvPr/>
+        </p:nvPicPr>
+        <p:blipFill rotWithShape="1">
+          <a:blip r:embed="rId2">
+            <a:extLst>
+              <a:ext uri="{28A0092B-C50C-407E-A947-70E740481C1C}">
+                <a14:useLocalDpi xmlns:a14="http://schemas.microsoft.com/office/drawing/2010/main" val="0"/>
+              </a:ext>
+            </a:extLst>
+          </a:blip>
+          <a:srcRect l="9001" t="2404" r="10812" b="6406"/>
+          <a:stretch/>
+        </p:blipFill>
+        <p:spPr>
+          <a:xfrm>
+            <a:off x="7701044" y="486562"/>
+            <a:ext cx="3652756" cy="3179427"/>
+          </a:xfrm>
+          <a:prstGeom prst="rect">
+            <a:avLst/>
+          </a:prstGeom>
+        </p:spPr>
+      </p:pic>
+      <p:pic>
+        <p:nvPicPr>
+          <p:cNvPr id="7" name="Picture 6" descr="Chart, line chart&#10;&#10;Description automatically generated">
+            <a:extLst>
+              <a:ext uri="{FF2B5EF4-FFF2-40B4-BE49-F238E27FC236}">
+                <a16:creationId xmlns:a16="http://schemas.microsoft.com/office/drawing/2014/main" id="{4E358BC5-1F51-698D-1EC3-5DCC30B6D1BE}"/>
+              </a:ext>
+            </a:extLst>
+          </p:cNvPr>
+          <p:cNvPicPr>
+            <a:picLocks noChangeAspect="1"/>
+          </p:cNvPicPr>
+          <p:nvPr/>
+        </p:nvPicPr>
+        <p:blipFill>
+          <a:blip r:embed="rId3">
+            <a:extLst>
+              <a:ext uri="{28A0092B-C50C-407E-A947-70E740481C1C}">
+                <a14:useLocalDpi xmlns:a14="http://schemas.microsoft.com/office/drawing/2010/main" val="0"/>
+              </a:ext>
+            </a:extLst>
+          </a:blip>
+          <a:stretch>
+            <a:fillRect/>
+          </a:stretch>
+        </p:blipFill>
+        <p:spPr>
+          <a:xfrm>
+            <a:off x="7701044" y="3659175"/>
+            <a:ext cx="3558083" cy="3028324"/>
+          </a:xfrm>
+          <a:prstGeom prst="rect">
+            <a:avLst/>
+          </a:prstGeom>
+        </p:spPr>
+      </p:pic>
     </p:spTree>
     <p:extLst>
       <p:ext uri="{BB962C8B-B14F-4D97-AF65-F5344CB8AC3E}">
-        <p14:creationId xmlns:p14="http://schemas.microsoft.com/office/powerpoint/2010/main" val="1259095874"/>
+        <p14:creationId xmlns:p14="http://schemas.microsoft.com/office/powerpoint/2010/main" val="606679799"/>
       </p:ext>
     </p:extLst>
   </p:cSld>
@@ -3700,7 +4703,7 @@
           <p:cNvPr id="2" name="Title 1">
             <a:extLst>
               <a:ext uri="{FF2B5EF4-FFF2-40B4-BE49-F238E27FC236}">
-                <a16:creationId xmlns:a16="http://schemas.microsoft.com/office/drawing/2014/main" id="{9CC2CF20-BB56-6F34-839D-D0EC8B41BF7E}"/>
+                <a16:creationId xmlns:a16="http://schemas.microsoft.com/office/drawing/2014/main" id="{E3908531-B164-5EE2-A81A-339DC63E1BAB}"/>
               </a:ext>
             </a:extLst>
           </p:cNvPr>
@@ -3718,7 +4721,7 @@
           <a:p>
             <a:r>
               <a:rPr lang="en-GB" dirty="0"/>
-              <a:t>Key Results</a:t>
+              <a:t>Experimental Methods</a:t>
             </a:r>
           </a:p>
         </p:txBody>
@@ -3728,7 +4731,7 @@
           <p:cNvPr id="3" name="Content Placeholder 2">
             <a:extLst>
               <a:ext uri="{FF2B5EF4-FFF2-40B4-BE49-F238E27FC236}">
-                <a16:creationId xmlns:a16="http://schemas.microsoft.com/office/drawing/2014/main" id="{579CF973-B451-55D2-6155-95A27B39F348}"/>
+                <a16:creationId xmlns:a16="http://schemas.microsoft.com/office/drawing/2014/main" id="{F0CAB385-3D50-B259-37BD-A5C62AE54654}"/>
               </a:ext>
             </a:extLst>
           </p:cNvPr>
@@ -3739,19 +4742,120 @@
             <p:ph idx="1"/>
           </p:nvPr>
         </p:nvSpPr>
-        <p:spPr/>
-        <p:txBody>
-          <a:bodyPr/>
-          <a:lstStyle/>
-          <a:p>
-            <a:endParaRPr lang="en-GB"/>
-          </a:p>
-        </p:txBody>
-      </p:sp>
+        <p:spPr>
+          <a:xfrm>
+            <a:off x="838200" y="1825625"/>
+            <a:ext cx="6376332" cy="4351338"/>
+          </a:xfrm>
+        </p:spPr>
+        <p:txBody>
+          <a:bodyPr/>
+          <a:lstStyle/>
+          <a:p>
+            <a:r>
+              <a:rPr lang="en-GB" dirty="0"/>
+              <a:t>THz-TDS was performed on two systems.</a:t>
+            </a:r>
+          </a:p>
+          <a:p>
+            <a:r>
+              <a:rPr lang="en-GB" dirty="0"/>
+              <a:t>Primarily using PC antennas but EO crystals were also used.</a:t>
+            </a:r>
+          </a:p>
+          <a:p>
+            <a:r>
+              <a:rPr lang="en-GB" dirty="0"/>
+              <a:t>Room-temperature and low-temperature measurements were performed.</a:t>
+            </a:r>
+          </a:p>
+          <a:p>
+            <a:r>
+              <a:rPr lang="en-GB" dirty="0"/>
+              <a:t>PC antennas with gap sizes of 5, 10, 20 and 40 µm were tested using varying incident laser powers.</a:t>
+            </a:r>
+          </a:p>
+          <a:p>
+            <a:endParaRPr lang="en-GB" dirty="0"/>
+          </a:p>
+        </p:txBody>
+      </p:sp>
+      <p:pic>
+        <p:nvPicPr>
+          <p:cNvPr id="5" name="Picture 4" descr="Arrow&#10;&#10;Description automatically generated">
+            <a:extLst>
+              <a:ext uri="{FF2B5EF4-FFF2-40B4-BE49-F238E27FC236}">
+                <a16:creationId xmlns:a16="http://schemas.microsoft.com/office/drawing/2014/main" id="{C808A3B1-DBB2-7671-DE8D-CB81E68E9ECC}"/>
+              </a:ext>
+            </a:extLst>
+          </p:cNvPr>
+          <p:cNvPicPr>
+            <a:picLocks noChangeAspect="1"/>
+          </p:cNvPicPr>
+          <p:nvPr/>
+        </p:nvPicPr>
+        <p:blipFill>
+          <a:blip r:embed="rId2">
+            <a:extLst>
+              <a:ext uri="{28A0092B-C50C-407E-A947-70E740481C1C}">
+                <a14:useLocalDpi xmlns:a14="http://schemas.microsoft.com/office/drawing/2010/main" val="0"/>
+              </a:ext>
+            </a:extLst>
+          </a:blip>
+          <a:stretch>
+            <a:fillRect/>
+          </a:stretch>
+        </p:blipFill>
+        <p:spPr>
+          <a:xfrm>
+            <a:off x="7214532" y="1027906"/>
+            <a:ext cx="4599710" cy="2793560"/>
+          </a:xfrm>
+          <a:prstGeom prst="rect">
+            <a:avLst/>
+          </a:prstGeom>
+        </p:spPr>
+      </p:pic>
+      <p:pic>
+        <p:nvPicPr>
+          <p:cNvPr id="7" name="Picture 6" descr="Chart&#10;&#10;Description automatically generated">
+            <a:extLst>
+              <a:ext uri="{FF2B5EF4-FFF2-40B4-BE49-F238E27FC236}">
+                <a16:creationId xmlns:a16="http://schemas.microsoft.com/office/drawing/2014/main" id="{F1A49327-85F4-BCC1-0059-9E64F0B317BE}"/>
+              </a:ext>
+            </a:extLst>
+          </p:cNvPr>
+          <p:cNvPicPr>
+            <a:picLocks noChangeAspect="1"/>
+          </p:cNvPicPr>
+          <p:nvPr/>
+        </p:nvPicPr>
+        <p:blipFill>
+          <a:blip r:embed="rId3">
+            <a:extLst>
+              <a:ext uri="{28A0092B-C50C-407E-A947-70E740481C1C}">
+                <a14:useLocalDpi xmlns:a14="http://schemas.microsoft.com/office/drawing/2010/main" val="0"/>
+              </a:ext>
+            </a:extLst>
+          </a:blip>
+          <a:stretch>
+            <a:fillRect/>
+          </a:stretch>
+        </p:blipFill>
+        <p:spPr>
+          <a:xfrm>
+            <a:off x="8393162" y="4001294"/>
+            <a:ext cx="2242450" cy="2793561"/>
+          </a:xfrm>
+          <a:prstGeom prst="rect">
+            <a:avLst/>
+          </a:prstGeom>
+        </p:spPr>
+      </p:pic>
     </p:spTree>
     <p:extLst>
       <p:ext uri="{BB962C8B-B14F-4D97-AF65-F5344CB8AC3E}">
-        <p14:creationId xmlns:p14="http://schemas.microsoft.com/office/powerpoint/2010/main" val="1480665977"/>
+        <p14:creationId xmlns:p14="http://schemas.microsoft.com/office/powerpoint/2010/main" val="1830735753"/>
       </p:ext>
     </p:extLst>
   </p:cSld>
@@ -3783,7 +4887,7 @@
           <p:cNvPr id="2" name="Title 1">
             <a:extLst>
               <a:ext uri="{FF2B5EF4-FFF2-40B4-BE49-F238E27FC236}">
-                <a16:creationId xmlns:a16="http://schemas.microsoft.com/office/drawing/2014/main" id="{CA9647AC-9932-7A68-370E-E1621D2C945F}"/>
+                <a16:creationId xmlns:a16="http://schemas.microsoft.com/office/drawing/2014/main" id="{907FB7DE-17BF-792E-316B-3D664E3B1989}"/>
               </a:ext>
             </a:extLst>
           </p:cNvPr>
@@ -3801,7 +4905,7 @@
           <a:p>
             <a:r>
               <a:rPr lang="en-GB" dirty="0"/>
-              <a:t>Conclusions</a:t>
+              <a:t>Computational Methods</a:t>
             </a:r>
           </a:p>
         </p:txBody>
@@ -3811,7 +4915,7 @@
           <p:cNvPr id="3" name="Content Placeholder 2">
             <a:extLst>
               <a:ext uri="{FF2B5EF4-FFF2-40B4-BE49-F238E27FC236}">
-                <a16:creationId xmlns:a16="http://schemas.microsoft.com/office/drawing/2014/main" id="{AFFAF48A-7566-70F4-90F6-7B2AFD3727CC}"/>
+                <a16:creationId xmlns:a16="http://schemas.microsoft.com/office/drawing/2014/main" id="{F7437915-7DE1-421B-A51C-532F29CD359B}"/>
               </a:ext>
             </a:extLst>
           </p:cNvPr>
@@ -3827,14 +4931,601 @@
           <a:bodyPr/>
           <a:lstStyle/>
           <a:p>
-            <a:endParaRPr lang="en-GB" dirty="0"/>
+            <a:r>
+              <a:rPr lang="en-GB" dirty="0"/>
+              <a:t>DFT was used throughout to calculate the phonon modes of a system, their frequency and their nature.</a:t>
+            </a:r>
+          </a:p>
+          <a:p>
+            <a:r>
+              <a:rPr lang="en-GB" dirty="0"/>
+              <a:t>PDielec was used to construct a THz absorption spectrum from the DFT calculation to compare with experiment.</a:t>
+            </a:r>
+          </a:p>
+          <a:p>
+            <a:r>
+              <a:rPr lang="en-GB" dirty="0"/>
+              <a:t>An investigation into dispersion corrections, which account for non-local bonding, was undertaken as these are vital for systems such as </a:t>
+            </a:r>
+            <a:r>
+              <a:rPr lang="el-GR" dirty="0"/>
+              <a:t>α</a:t>
+            </a:r>
+            <a:r>
+              <a:rPr lang="en-GB" dirty="0"/>
+              <a:t>LM.</a:t>
+            </a:r>
+          </a:p>
+          <a:p>
+            <a:r>
+              <a:rPr lang="en-GB" dirty="0"/>
+              <a:t>The Quasi-Harmonic Approximation was used to calculate the thermal properties of </a:t>
+            </a:r>
+            <a:r>
+              <a:rPr lang="el-GR" dirty="0"/>
+              <a:t>α</a:t>
+            </a:r>
+            <a:r>
+              <a:rPr lang="en-GB" dirty="0"/>
+              <a:t>LM, which were used to calculate a room-temperature THz absorption spectrum.</a:t>
+            </a:r>
           </a:p>
         </p:txBody>
       </p:sp>
     </p:spTree>
     <p:extLst>
       <p:ext uri="{BB962C8B-B14F-4D97-AF65-F5344CB8AC3E}">
-        <p14:creationId xmlns:p14="http://schemas.microsoft.com/office/powerpoint/2010/main" val="4167899392"/>
+        <p14:creationId xmlns:p14="http://schemas.microsoft.com/office/powerpoint/2010/main" val="1259095874"/>
+      </p:ext>
+    </p:extLst>
+  </p:cSld>
+  <p:clrMapOvr>
+    <a:masterClrMapping/>
+  </p:clrMapOvr>
+</p:sld>
+</file>
+
+<file path=ppt/slides/slide7.xml><?xml version="1.0" encoding="utf-8"?>
+<p:sld xmlns:a="http://schemas.openxmlformats.org/drawingml/2006/main" xmlns:r="http://schemas.openxmlformats.org/officeDocument/2006/relationships" xmlns:p="http://schemas.openxmlformats.org/presentationml/2006/main">
+  <p:cSld>
+    <p:spTree>
+      <p:nvGrpSpPr>
+        <p:cNvPr id="1" name=""/>
+        <p:cNvGrpSpPr/>
+        <p:nvPr/>
+      </p:nvGrpSpPr>
+      <p:grpSpPr>
+        <a:xfrm>
+          <a:off x="0" y="0"/>
+          <a:ext cx="0" cy="0"/>
+          <a:chOff x="0" y="0"/>
+          <a:chExt cx="0" cy="0"/>
+        </a:xfrm>
+      </p:grpSpPr>
+      <p:sp>
+        <p:nvSpPr>
+          <p:cNvPr id="2" name="Title 1">
+            <a:extLst>
+              <a:ext uri="{FF2B5EF4-FFF2-40B4-BE49-F238E27FC236}">
+                <a16:creationId xmlns:a16="http://schemas.microsoft.com/office/drawing/2014/main" id="{9CC2CF20-BB56-6F34-839D-D0EC8B41BF7E}"/>
+              </a:ext>
+            </a:extLst>
+          </p:cNvPr>
+          <p:cNvSpPr>
+            <a:spLocks noGrp="1"/>
+          </p:cNvSpPr>
+          <p:nvPr>
+            <p:ph type="title"/>
+          </p:nvPr>
+        </p:nvSpPr>
+        <p:spPr/>
+        <p:txBody>
+          <a:bodyPr/>
+          <a:lstStyle/>
+          <a:p>
+            <a:r>
+              <a:rPr lang="en-GB" dirty="0"/>
+              <a:t>Key Results – Dispersion Corrections</a:t>
+            </a:r>
+          </a:p>
+        </p:txBody>
+      </p:sp>
+      <p:sp>
+        <p:nvSpPr>
+          <p:cNvPr id="3" name="Content Placeholder 2">
+            <a:extLst>
+              <a:ext uri="{FF2B5EF4-FFF2-40B4-BE49-F238E27FC236}">
+                <a16:creationId xmlns:a16="http://schemas.microsoft.com/office/drawing/2014/main" id="{579CF973-B451-55D2-6155-95A27B39F348}"/>
+              </a:ext>
+            </a:extLst>
+          </p:cNvPr>
+          <p:cNvSpPr>
+            <a:spLocks noGrp="1"/>
+          </p:cNvSpPr>
+          <p:nvPr>
+            <p:ph idx="1"/>
+          </p:nvPr>
+        </p:nvSpPr>
+        <p:spPr>
+          <a:xfrm>
+            <a:off x="838200" y="1825625"/>
+            <a:ext cx="7441370" cy="4351338"/>
+          </a:xfrm>
+        </p:spPr>
+        <p:txBody>
+          <a:bodyPr/>
+          <a:lstStyle/>
+          <a:p>
+            <a:r>
+              <a:rPr lang="en-GB" dirty="0"/>
+              <a:t>4 dispersion corrections were tested, along with a calculation with no dispersion for control</a:t>
+            </a:r>
+          </a:p>
+          <a:p>
+            <a:r>
+              <a:rPr lang="en-GB" dirty="0"/>
+              <a:t>Using PDielec, the calculated spectra with the highest correlation and lowest error with experiment was the D3 correction.</a:t>
+            </a:r>
+          </a:p>
+          <a:p>
+            <a:r>
+              <a:rPr lang="en-GB" dirty="0"/>
+              <a:t>The TS correction spectrum, whilst relatively underperforming in correlation with experiment, was altered the least by the optimisation process.</a:t>
+            </a:r>
+          </a:p>
+        </p:txBody>
+      </p:sp>
+      <p:pic>
+        <p:nvPicPr>
+          <p:cNvPr id="5" name="Picture 4" descr="Chart, histogram&#10;&#10;Description automatically generated">
+            <a:extLst>
+              <a:ext uri="{FF2B5EF4-FFF2-40B4-BE49-F238E27FC236}">
+                <a16:creationId xmlns:a16="http://schemas.microsoft.com/office/drawing/2014/main" id="{80600EBA-9AA8-0632-09F4-AB094961BD3C}"/>
+              </a:ext>
+            </a:extLst>
+          </p:cNvPr>
+          <p:cNvPicPr>
+            <a:picLocks noChangeAspect="1"/>
+          </p:cNvPicPr>
+          <p:nvPr/>
+        </p:nvPicPr>
+        <p:blipFill>
+          <a:blip r:embed="rId2">
+            <a:extLst>
+              <a:ext uri="{28A0092B-C50C-407E-A947-70E740481C1C}">
+                <a14:useLocalDpi xmlns:a14="http://schemas.microsoft.com/office/drawing/2010/main" val="0"/>
+              </a:ext>
+            </a:extLst>
+          </a:blip>
+          <a:stretch>
+            <a:fillRect/>
+          </a:stretch>
+        </p:blipFill>
+        <p:spPr>
+          <a:xfrm>
+            <a:off x="8283139" y="1195785"/>
+            <a:ext cx="3070661" cy="2799353"/>
+          </a:xfrm>
+          <a:prstGeom prst="rect">
+            <a:avLst/>
+          </a:prstGeom>
+        </p:spPr>
+      </p:pic>
+      <p:pic>
+        <p:nvPicPr>
+          <p:cNvPr id="7" name="Picture 6" descr="Chart, histogram&#10;&#10;Description automatically generated">
+            <a:extLst>
+              <a:ext uri="{FF2B5EF4-FFF2-40B4-BE49-F238E27FC236}">
+                <a16:creationId xmlns:a16="http://schemas.microsoft.com/office/drawing/2014/main" id="{2BE915E0-C767-307C-8720-8DABAD9611A9}"/>
+              </a:ext>
+            </a:extLst>
+          </p:cNvPr>
+          <p:cNvPicPr>
+            <a:picLocks noChangeAspect="1"/>
+          </p:cNvPicPr>
+          <p:nvPr/>
+        </p:nvPicPr>
+        <p:blipFill>
+          <a:blip r:embed="rId3">
+            <a:extLst>
+              <a:ext uri="{28A0092B-C50C-407E-A947-70E740481C1C}">
+                <a14:useLocalDpi xmlns:a14="http://schemas.microsoft.com/office/drawing/2010/main" val="0"/>
+              </a:ext>
+            </a:extLst>
+          </a:blip>
+          <a:stretch>
+            <a:fillRect/>
+          </a:stretch>
+        </p:blipFill>
+        <p:spPr>
+          <a:xfrm>
+            <a:off x="8283139" y="3995138"/>
+            <a:ext cx="3067091" cy="2799353"/>
+          </a:xfrm>
+          <a:prstGeom prst="rect">
+            <a:avLst/>
+          </a:prstGeom>
+        </p:spPr>
+      </p:pic>
+    </p:spTree>
+    <p:extLst>
+      <p:ext uri="{BB962C8B-B14F-4D97-AF65-F5344CB8AC3E}">
+        <p14:creationId xmlns:p14="http://schemas.microsoft.com/office/powerpoint/2010/main" val="2953959414"/>
+      </p:ext>
+    </p:extLst>
+  </p:cSld>
+  <p:clrMapOvr>
+    <a:masterClrMapping/>
+  </p:clrMapOvr>
+</p:sld>
+</file>
+
+<file path=ppt/slides/slide8.xml><?xml version="1.0" encoding="utf-8"?>
+<p:sld xmlns:a="http://schemas.openxmlformats.org/drawingml/2006/main" xmlns:r="http://schemas.openxmlformats.org/officeDocument/2006/relationships" xmlns:p="http://schemas.openxmlformats.org/presentationml/2006/main">
+  <p:cSld>
+    <p:spTree>
+      <p:nvGrpSpPr>
+        <p:cNvPr id="1" name=""/>
+        <p:cNvGrpSpPr/>
+        <p:nvPr/>
+      </p:nvGrpSpPr>
+      <p:grpSpPr>
+        <a:xfrm>
+          <a:off x="0" y="0"/>
+          <a:ext cx="0" cy="0"/>
+          <a:chOff x="0" y="0"/>
+          <a:chExt cx="0" cy="0"/>
+        </a:xfrm>
+      </p:grpSpPr>
+      <p:sp>
+        <p:nvSpPr>
+          <p:cNvPr id="2" name="Title 1">
+            <a:extLst>
+              <a:ext uri="{FF2B5EF4-FFF2-40B4-BE49-F238E27FC236}">
+                <a16:creationId xmlns:a16="http://schemas.microsoft.com/office/drawing/2014/main" id="{9CC2CF20-BB56-6F34-839D-D0EC8B41BF7E}"/>
+              </a:ext>
+            </a:extLst>
+          </p:cNvPr>
+          <p:cNvSpPr>
+            <a:spLocks noGrp="1"/>
+          </p:cNvSpPr>
+          <p:nvPr>
+            <p:ph type="title"/>
+          </p:nvPr>
+        </p:nvSpPr>
+        <p:spPr/>
+        <p:txBody>
+          <a:bodyPr/>
+          <a:lstStyle/>
+          <a:p>
+            <a:r>
+              <a:rPr lang="en-GB" dirty="0"/>
+              <a:t>Key Results – Dispersion Corrections</a:t>
+            </a:r>
+          </a:p>
+        </p:txBody>
+      </p:sp>
+      <p:sp>
+        <p:nvSpPr>
+          <p:cNvPr id="3" name="Content Placeholder 2">
+            <a:extLst>
+              <a:ext uri="{FF2B5EF4-FFF2-40B4-BE49-F238E27FC236}">
+                <a16:creationId xmlns:a16="http://schemas.microsoft.com/office/drawing/2014/main" id="{579CF973-B451-55D2-6155-95A27B39F348}"/>
+              </a:ext>
+            </a:extLst>
+          </p:cNvPr>
+          <p:cNvSpPr>
+            <a:spLocks noGrp="1"/>
+          </p:cNvSpPr>
+          <p:nvPr>
+            <p:ph idx="1"/>
+          </p:nvPr>
+        </p:nvSpPr>
+        <p:spPr>
+          <a:xfrm>
+            <a:off x="838200" y="1825625"/>
+            <a:ext cx="5257800" cy="4351338"/>
+          </a:xfrm>
+        </p:spPr>
+        <p:txBody>
+          <a:bodyPr/>
+          <a:lstStyle/>
+          <a:p>
+            <a:r>
+              <a:rPr lang="en-GB" dirty="0"/>
+              <a:t>The changes between starting and final structures for each correction were examined.</a:t>
+            </a:r>
+          </a:p>
+          <a:p>
+            <a:r>
+              <a:rPr lang="en-GB" dirty="0"/>
+              <a:t>Trends were very similar for nearly all calculations with the exception of D2.</a:t>
+            </a:r>
+          </a:p>
+          <a:p>
+            <a:r>
+              <a:rPr lang="en-GB" dirty="0"/>
+              <a:t>This shows the sensitivity of these calculated spectra to ionic positions.</a:t>
+            </a:r>
+          </a:p>
+        </p:txBody>
+      </p:sp>
+      <p:grpSp>
+        <p:nvGrpSpPr>
+          <p:cNvPr id="12" name="Group 11">
+            <a:extLst>
+              <a:ext uri="{FF2B5EF4-FFF2-40B4-BE49-F238E27FC236}">
+                <a16:creationId xmlns:a16="http://schemas.microsoft.com/office/drawing/2014/main" id="{C8C4B80F-7034-7235-0934-760D8160F565}"/>
+              </a:ext>
+            </a:extLst>
+          </p:cNvPr>
+          <p:cNvGrpSpPr/>
+          <p:nvPr/>
+        </p:nvGrpSpPr>
+        <p:grpSpPr>
+          <a:xfrm>
+            <a:off x="6190022" y="1189384"/>
+            <a:ext cx="3129657" cy="5595140"/>
+            <a:chOff x="8598152" y="1341984"/>
+            <a:chExt cx="2945099" cy="5265191"/>
+          </a:xfrm>
+        </p:grpSpPr>
+        <p:pic>
+          <p:nvPicPr>
+            <p:cNvPr id="13" name="Picture 12" descr="Chart&#10;&#10;Description automatically generated with medium confidence">
+              <a:extLst>
+                <a:ext uri="{FF2B5EF4-FFF2-40B4-BE49-F238E27FC236}">
+                  <a16:creationId xmlns:a16="http://schemas.microsoft.com/office/drawing/2014/main" id="{1551C540-5247-933E-846B-2650C4E12262}"/>
+                </a:ext>
+              </a:extLst>
+            </p:cNvPr>
+            <p:cNvPicPr>
+              <a:picLocks noChangeAspect="1"/>
+            </p:cNvPicPr>
+            <p:nvPr/>
+          </p:nvPicPr>
+          <p:blipFill>
+            <a:blip r:embed="rId2">
+              <a:extLst>
+                <a:ext uri="{28A0092B-C50C-407E-A947-70E740481C1C}">
+                  <a14:useLocalDpi xmlns:a14="http://schemas.microsoft.com/office/drawing/2010/main" val="0"/>
+                </a:ext>
+              </a:extLst>
+            </a:blip>
+            <a:stretch>
+              <a:fillRect/>
+            </a:stretch>
+          </p:blipFill>
+          <p:spPr>
+            <a:xfrm>
+              <a:off x="8598152" y="1341984"/>
+              <a:ext cx="2945099" cy="2699517"/>
+            </a:xfrm>
+            <a:prstGeom prst="rect">
+              <a:avLst/>
+            </a:prstGeom>
+          </p:spPr>
+        </p:pic>
+        <p:pic>
+          <p:nvPicPr>
+            <p:cNvPr id="14" name="Picture 13" descr="Chart, radar chart&#10;&#10;Description automatically generated">
+              <a:extLst>
+                <a:ext uri="{FF2B5EF4-FFF2-40B4-BE49-F238E27FC236}">
+                  <a16:creationId xmlns:a16="http://schemas.microsoft.com/office/drawing/2014/main" id="{387BCC91-937A-FF58-981E-1F2DDBE39C0D}"/>
+                </a:ext>
+              </a:extLst>
+            </p:cNvPr>
+            <p:cNvPicPr>
+              <a:picLocks noChangeAspect="1"/>
+            </p:cNvPicPr>
+            <p:nvPr/>
+          </p:nvPicPr>
+          <p:blipFill rotWithShape="1">
+            <a:blip r:embed="rId3">
+              <a:extLst>
+                <a:ext uri="{28A0092B-C50C-407E-A947-70E740481C1C}">
+                  <a14:useLocalDpi xmlns:a14="http://schemas.microsoft.com/office/drawing/2010/main" val="0"/>
+                </a:ext>
+              </a:extLst>
+            </a:blip>
+            <a:srcRect b="1980"/>
+            <a:stretch/>
+          </p:blipFill>
+          <p:spPr>
+            <a:xfrm>
+              <a:off x="8598152" y="3961086"/>
+              <a:ext cx="2945099" cy="2646089"/>
+            </a:xfrm>
+            <a:prstGeom prst="rect">
+              <a:avLst/>
+            </a:prstGeom>
+          </p:spPr>
+        </p:pic>
+      </p:grpSp>
+      <p:pic>
+        <p:nvPicPr>
+          <p:cNvPr id="16" name="Picture 15" descr="A picture containing chart&#10;&#10;Description automatically generated">
+            <a:extLst>
+              <a:ext uri="{FF2B5EF4-FFF2-40B4-BE49-F238E27FC236}">
+                <a16:creationId xmlns:a16="http://schemas.microsoft.com/office/drawing/2014/main" id="{D60829E3-6103-3304-F560-A499426602D6}"/>
+              </a:ext>
+            </a:extLst>
+          </p:cNvPr>
+          <p:cNvPicPr>
+            <a:picLocks noChangeAspect="1"/>
+          </p:cNvPicPr>
+          <p:nvPr/>
+        </p:nvPicPr>
+        <p:blipFill>
+          <a:blip r:embed="rId4">
+            <a:extLst>
+              <a:ext uri="{28A0092B-C50C-407E-A947-70E740481C1C}">
+                <a14:useLocalDpi xmlns:a14="http://schemas.microsoft.com/office/drawing/2010/main" val="0"/>
+              </a:ext>
+            </a:extLst>
+          </a:blip>
+          <a:stretch>
+            <a:fillRect/>
+          </a:stretch>
+        </p:blipFill>
+        <p:spPr>
+          <a:xfrm>
+            <a:off x="9319679" y="2871825"/>
+            <a:ext cx="2855116" cy="2230259"/>
+          </a:xfrm>
+          <a:prstGeom prst="rect">
+            <a:avLst/>
+          </a:prstGeom>
+        </p:spPr>
+      </p:pic>
+    </p:spTree>
+    <p:extLst>
+      <p:ext uri="{BB962C8B-B14F-4D97-AF65-F5344CB8AC3E}">
+        <p14:creationId xmlns:p14="http://schemas.microsoft.com/office/powerpoint/2010/main" val="89246411"/>
+      </p:ext>
+    </p:extLst>
+  </p:cSld>
+  <p:clrMapOvr>
+    <a:masterClrMapping/>
+  </p:clrMapOvr>
+</p:sld>
+</file>
+
+<file path=ppt/slides/slide9.xml><?xml version="1.0" encoding="utf-8"?>
+<p:sld xmlns:a="http://schemas.openxmlformats.org/drawingml/2006/main" xmlns:r="http://schemas.openxmlformats.org/officeDocument/2006/relationships" xmlns:p="http://schemas.openxmlformats.org/presentationml/2006/main">
+  <p:cSld>
+    <p:spTree>
+      <p:nvGrpSpPr>
+        <p:cNvPr id="1" name=""/>
+        <p:cNvGrpSpPr/>
+        <p:nvPr/>
+      </p:nvGrpSpPr>
+      <p:grpSpPr>
+        <a:xfrm>
+          <a:off x="0" y="0"/>
+          <a:ext cx="0" cy="0"/>
+          <a:chOff x="0" y="0"/>
+          <a:chExt cx="0" cy="0"/>
+        </a:xfrm>
+      </p:grpSpPr>
+      <p:sp>
+        <p:nvSpPr>
+          <p:cNvPr id="2" name="Title 1">
+            <a:extLst>
+              <a:ext uri="{FF2B5EF4-FFF2-40B4-BE49-F238E27FC236}">
+                <a16:creationId xmlns:a16="http://schemas.microsoft.com/office/drawing/2014/main" id="{9CC2CF20-BB56-6F34-839D-D0EC8B41BF7E}"/>
+              </a:ext>
+            </a:extLst>
+          </p:cNvPr>
+          <p:cNvSpPr>
+            <a:spLocks noGrp="1"/>
+          </p:cNvSpPr>
+          <p:nvPr>
+            <p:ph type="title"/>
+          </p:nvPr>
+        </p:nvSpPr>
+        <p:spPr/>
+        <p:txBody>
+          <a:bodyPr/>
+          <a:lstStyle/>
+          <a:p>
+            <a:r>
+              <a:rPr lang="en-GB" dirty="0"/>
+              <a:t>Key Results – Quasi-Harmonic Approximation</a:t>
+            </a:r>
+          </a:p>
+        </p:txBody>
+      </p:sp>
+      <p:sp>
+        <p:nvSpPr>
+          <p:cNvPr id="3" name="Content Placeholder 2">
+            <a:extLst>
+              <a:ext uri="{FF2B5EF4-FFF2-40B4-BE49-F238E27FC236}">
+                <a16:creationId xmlns:a16="http://schemas.microsoft.com/office/drawing/2014/main" id="{579CF973-B451-55D2-6155-95A27B39F348}"/>
+              </a:ext>
+            </a:extLst>
+          </p:cNvPr>
+          <p:cNvSpPr>
+            <a:spLocks noGrp="1"/>
+          </p:cNvSpPr>
+          <p:nvPr>
+            <p:ph idx="1"/>
+          </p:nvPr>
+        </p:nvSpPr>
+        <p:spPr>
+          <a:xfrm>
+            <a:off x="838200" y="1825625"/>
+            <a:ext cx="5668538" cy="4351338"/>
+          </a:xfrm>
+        </p:spPr>
+        <p:txBody>
+          <a:bodyPr/>
+          <a:lstStyle/>
+          <a:p>
+            <a:r>
+              <a:rPr lang="en-GB" dirty="0"/>
+              <a:t>Experimental spectra were measured between 4 and 300 K in 50 K increments.</a:t>
+            </a:r>
+          </a:p>
+          <a:p>
+            <a:r>
+              <a:rPr lang="en-GB" dirty="0"/>
+              <a:t>Modes follow expected trend of red-shifting with temperature except 1</a:t>
+            </a:r>
+            <a:r>
+              <a:rPr lang="en-GB" baseline="30000" dirty="0"/>
+              <a:t>st</a:t>
+            </a:r>
+            <a:r>
+              <a:rPr lang="en-GB" dirty="0"/>
+              <a:t> mode.</a:t>
+            </a:r>
+          </a:p>
+          <a:p>
+            <a:endParaRPr lang="en-GB" dirty="0"/>
+          </a:p>
+        </p:txBody>
+      </p:sp>
+      <p:pic>
+        <p:nvPicPr>
+          <p:cNvPr id="5" name="Picture 4" descr="Chart&#10;&#10;Description automatically generated">
+            <a:extLst>
+              <a:ext uri="{FF2B5EF4-FFF2-40B4-BE49-F238E27FC236}">
+                <a16:creationId xmlns:a16="http://schemas.microsoft.com/office/drawing/2014/main" id="{1D61CB55-5F55-B8BA-0876-873BBC9D3DA1}"/>
+              </a:ext>
+            </a:extLst>
+          </p:cNvPr>
+          <p:cNvPicPr>
+            <a:picLocks noChangeAspect="1"/>
+          </p:cNvPicPr>
+          <p:nvPr/>
+        </p:nvPicPr>
+        <p:blipFill>
+          <a:blip r:embed="rId2">
+            <a:extLst>
+              <a:ext uri="{28A0092B-C50C-407E-A947-70E740481C1C}">
+                <a14:useLocalDpi xmlns:a14="http://schemas.microsoft.com/office/drawing/2010/main" val="0"/>
+              </a:ext>
+            </a:extLst>
+          </a:blip>
+          <a:stretch>
+            <a:fillRect/>
+          </a:stretch>
+        </p:blipFill>
+        <p:spPr>
+          <a:xfrm>
+            <a:off x="6506738" y="1825625"/>
+            <a:ext cx="5070070" cy="4109474"/>
+          </a:xfrm>
+          <a:prstGeom prst="rect">
+            <a:avLst/>
+          </a:prstGeom>
+        </p:spPr>
+      </p:pic>
+    </p:spTree>
+    <p:extLst>
+      <p:ext uri="{BB962C8B-B14F-4D97-AF65-F5344CB8AC3E}">
+        <p14:creationId xmlns:p14="http://schemas.microsoft.com/office/powerpoint/2010/main" val="1297900223"/>
       </p:ext>
     </p:extLst>
   </p:cSld>

--- a/VIVA_Presentation.pptx
+++ b/VIVA_Presentation.pptx
@@ -12,13 +12,15 @@
     <p:sldId id="258" r:id="rId6"/>
     <p:sldId id="259" r:id="rId7"/>
     <p:sldId id="268" r:id="rId8"/>
-    <p:sldId id="269" r:id="rId9"/>
-    <p:sldId id="266" r:id="rId10"/>
-    <p:sldId id="270" r:id="rId11"/>
-    <p:sldId id="267" r:id="rId12"/>
-    <p:sldId id="271" r:id="rId13"/>
-    <p:sldId id="272" r:id="rId14"/>
-    <p:sldId id="261" r:id="rId15"/>
+    <p:sldId id="274" r:id="rId9"/>
+    <p:sldId id="269" r:id="rId10"/>
+    <p:sldId id="266" r:id="rId11"/>
+    <p:sldId id="270" r:id="rId12"/>
+    <p:sldId id="273" r:id="rId13"/>
+    <p:sldId id="267" r:id="rId14"/>
+    <p:sldId id="271" r:id="rId15"/>
+    <p:sldId id="272" r:id="rId16"/>
+    <p:sldId id="261" r:id="rId17"/>
   </p:sldIdLst>
   <p:sldSz cx="12192000" cy="6858000"/>
   <p:notesSz cx="6858000" cy="9144000"/>
@@ -274,7 +276,7 @@
           <a:p>
             <a:fld id="{D23A6448-596D-4E74-970B-1A364A3D8151}" type="datetimeFigureOut">
               <a:rPr lang="en-GB" smtClean="0"/>
-              <a:t>17/01/2023</a:t>
+              <a:t>18/01/2023</a:t>
             </a:fld>
             <a:endParaRPr lang="en-GB"/>
           </a:p>
@@ -474,7 +476,7 @@
           <a:p>
             <a:fld id="{D23A6448-596D-4E74-970B-1A364A3D8151}" type="datetimeFigureOut">
               <a:rPr lang="en-GB" smtClean="0"/>
-              <a:t>17/01/2023</a:t>
+              <a:t>18/01/2023</a:t>
             </a:fld>
             <a:endParaRPr lang="en-GB"/>
           </a:p>
@@ -684,7 +686,7 @@
           <a:p>
             <a:fld id="{D23A6448-596D-4E74-970B-1A364A3D8151}" type="datetimeFigureOut">
               <a:rPr lang="en-GB" smtClean="0"/>
-              <a:t>17/01/2023</a:t>
+              <a:t>18/01/2023</a:t>
             </a:fld>
             <a:endParaRPr lang="en-GB"/>
           </a:p>
@@ -884,7 +886,7 @@
           <a:p>
             <a:fld id="{D23A6448-596D-4E74-970B-1A364A3D8151}" type="datetimeFigureOut">
               <a:rPr lang="en-GB" smtClean="0"/>
-              <a:t>17/01/2023</a:t>
+              <a:t>18/01/2023</a:t>
             </a:fld>
             <a:endParaRPr lang="en-GB"/>
           </a:p>
@@ -1160,7 +1162,7 @@
           <a:p>
             <a:fld id="{D23A6448-596D-4E74-970B-1A364A3D8151}" type="datetimeFigureOut">
               <a:rPr lang="en-GB" smtClean="0"/>
-              <a:t>17/01/2023</a:t>
+              <a:t>18/01/2023</a:t>
             </a:fld>
             <a:endParaRPr lang="en-GB"/>
           </a:p>
@@ -1428,7 +1430,7 @@
           <a:p>
             <a:fld id="{D23A6448-596D-4E74-970B-1A364A3D8151}" type="datetimeFigureOut">
               <a:rPr lang="en-GB" smtClean="0"/>
-              <a:t>17/01/2023</a:t>
+              <a:t>18/01/2023</a:t>
             </a:fld>
             <a:endParaRPr lang="en-GB"/>
           </a:p>
@@ -1843,7 +1845,7 @@
           <a:p>
             <a:fld id="{D23A6448-596D-4E74-970B-1A364A3D8151}" type="datetimeFigureOut">
               <a:rPr lang="en-GB" smtClean="0"/>
-              <a:t>17/01/2023</a:t>
+              <a:t>18/01/2023</a:t>
             </a:fld>
             <a:endParaRPr lang="en-GB"/>
           </a:p>
@@ -1985,7 +1987,7 @@
           <a:p>
             <a:fld id="{D23A6448-596D-4E74-970B-1A364A3D8151}" type="datetimeFigureOut">
               <a:rPr lang="en-GB" smtClean="0"/>
-              <a:t>17/01/2023</a:t>
+              <a:t>18/01/2023</a:t>
             </a:fld>
             <a:endParaRPr lang="en-GB"/>
           </a:p>
@@ -2098,7 +2100,7 @@
           <a:p>
             <a:fld id="{D23A6448-596D-4E74-970B-1A364A3D8151}" type="datetimeFigureOut">
               <a:rPr lang="en-GB" smtClean="0"/>
-              <a:t>17/01/2023</a:t>
+              <a:t>18/01/2023</a:t>
             </a:fld>
             <a:endParaRPr lang="en-GB"/>
           </a:p>
@@ -2411,7 +2413,7 @@
           <a:p>
             <a:fld id="{D23A6448-596D-4E74-970B-1A364A3D8151}" type="datetimeFigureOut">
               <a:rPr lang="en-GB" smtClean="0"/>
-              <a:t>17/01/2023</a:t>
+              <a:t>18/01/2023</a:t>
             </a:fld>
             <a:endParaRPr lang="en-GB"/>
           </a:p>
@@ -2700,7 +2702,7 @@
           <a:p>
             <a:fld id="{D23A6448-596D-4E74-970B-1A364A3D8151}" type="datetimeFigureOut">
               <a:rPr lang="en-GB" smtClean="0"/>
-              <a:t>17/01/2023</a:t>
+              <a:t>18/01/2023</a:t>
             </a:fld>
             <a:endParaRPr lang="en-GB"/>
           </a:p>
@@ -2943,7 +2945,7 @@
           <a:p>
             <a:fld id="{D23A6448-596D-4E74-970B-1A364A3D8151}" type="datetimeFigureOut">
               <a:rPr lang="en-GB" smtClean="0"/>
-              <a:t>17/01/2023</a:t>
+              <a:t>18/01/2023</a:t>
             </a:fld>
             <a:endParaRPr lang="en-GB"/>
           </a:p>
@@ -3505,6 +3507,150 @@
         </p:nvSpPr>
         <p:spPr>
           <a:xfrm>
+            <a:off x="838200" y="1825625"/>
+            <a:ext cx="5668538" cy="4351338"/>
+          </a:xfrm>
+        </p:spPr>
+        <p:txBody>
+          <a:bodyPr/>
+          <a:lstStyle/>
+          <a:p>
+            <a:r>
+              <a:rPr lang="en-GB" dirty="0"/>
+              <a:t>Experimental spectra were measured between 4 and 300 K in 50 K increments.</a:t>
+            </a:r>
+          </a:p>
+          <a:p>
+            <a:r>
+              <a:rPr lang="en-GB" dirty="0"/>
+              <a:t>Modes follow expected trend of red-shifting with temperature except 1</a:t>
+            </a:r>
+            <a:r>
+              <a:rPr lang="en-GB" baseline="30000" dirty="0"/>
+              <a:t>st</a:t>
+            </a:r>
+            <a:r>
+              <a:rPr lang="en-GB" dirty="0"/>
+              <a:t> mode.</a:t>
+            </a:r>
+          </a:p>
+          <a:p>
+            <a:endParaRPr lang="en-GB" dirty="0"/>
+          </a:p>
+        </p:txBody>
+      </p:sp>
+      <p:pic>
+        <p:nvPicPr>
+          <p:cNvPr id="5" name="Picture 4" descr="Chart&#10;&#10;Description automatically generated">
+            <a:extLst>
+              <a:ext uri="{FF2B5EF4-FFF2-40B4-BE49-F238E27FC236}">
+                <a16:creationId xmlns:a16="http://schemas.microsoft.com/office/drawing/2014/main" id="{1D61CB55-5F55-B8BA-0876-873BBC9D3DA1}"/>
+              </a:ext>
+            </a:extLst>
+          </p:cNvPr>
+          <p:cNvPicPr>
+            <a:picLocks noChangeAspect="1"/>
+          </p:cNvPicPr>
+          <p:nvPr/>
+        </p:nvPicPr>
+        <p:blipFill>
+          <a:blip r:embed="rId2">
+            <a:extLst>
+              <a:ext uri="{28A0092B-C50C-407E-A947-70E740481C1C}">
+                <a14:useLocalDpi xmlns:a14="http://schemas.microsoft.com/office/drawing/2010/main" val="0"/>
+              </a:ext>
+            </a:extLst>
+          </a:blip>
+          <a:stretch>
+            <a:fillRect/>
+          </a:stretch>
+        </p:blipFill>
+        <p:spPr>
+          <a:xfrm>
+            <a:off x="6506738" y="1825625"/>
+            <a:ext cx="5070070" cy="4109474"/>
+          </a:xfrm>
+          <a:prstGeom prst="rect">
+            <a:avLst/>
+          </a:prstGeom>
+        </p:spPr>
+      </p:pic>
+    </p:spTree>
+    <p:extLst>
+      <p:ext uri="{BB962C8B-B14F-4D97-AF65-F5344CB8AC3E}">
+        <p14:creationId xmlns:p14="http://schemas.microsoft.com/office/powerpoint/2010/main" val="1297900223"/>
+      </p:ext>
+    </p:extLst>
+  </p:cSld>
+  <p:clrMapOvr>
+    <a:masterClrMapping/>
+  </p:clrMapOvr>
+</p:sld>
+</file>
+
+<file path=ppt/slides/slide11.xml><?xml version="1.0" encoding="utf-8"?>
+<p:sld xmlns:a="http://schemas.openxmlformats.org/drawingml/2006/main" xmlns:r="http://schemas.openxmlformats.org/officeDocument/2006/relationships" xmlns:p="http://schemas.openxmlformats.org/presentationml/2006/main">
+  <p:cSld>
+    <p:spTree>
+      <p:nvGrpSpPr>
+        <p:cNvPr id="1" name=""/>
+        <p:cNvGrpSpPr/>
+        <p:nvPr/>
+      </p:nvGrpSpPr>
+      <p:grpSpPr>
+        <a:xfrm>
+          <a:off x="0" y="0"/>
+          <a:ext cx="0" cy="0"/>
+          <a:chOff x="0" y="0"/>
+          <a:chExt cx="0" cy="0"/>
+        </a:xfrm>
+      </p:grpSpPr>
+      <p:sp>
+        <p:nvSpPr>
+          <p:cNvPr id="2" name="Title 1">
+            <a:extLst>
+              <a:ext uri="{FF2B5EF4-FFF2-40B4-BE49-F238E27FC236}">
+                <a16:creationId xmlns:a16="http://schemas.microsoft.com/office/drawing/2014/main" id="{9CC2CF20-BB56-6F34-839D-D0EC8B41BF7E}"/>
+              </a:ext>
+            </a:extLst>
+          </p:cNvPr>
+          <p:cNvSpPr>
+            <a:spLocks noGrp="1"/>
+          </p:cNvSpPr>
+          <p:nvPr>
+            <p:ph type="title"/>
+          </p:nvPr>
+        </p:nvSpPr>
+        <p:spPr/>
+        <p:txBody>
+          <a:bodyPr/>
+          <a:lstStyle/>
+          <a:p>
+            <a:r>
+              <a:rPr lang="en-GB" dirty="0"/>
+              <a:t>Key Results – Quasi-Harmonic Approximation</a:t>
+            </a:r>
+          </a:p>
+        </p:txBody>
+      </p:sp>
+      <p:sp>
+        <p:nvSpPr>
+          <p:cNvPr id="3" name="Content Placeholder 2">
+            <a:extLst>
+              <a:ext uri="{FF2B5EF4-FFF2-40B4-BE49-F238E27FC236}">
+                <a16:creationId xmlns:a16="http://schemas.microsoft.com/office/drawing/2014/main" id="{579CF973-B451-55D2-6155-95A27B39F348}"/>
+              </a:ext>
+            </a:extLst>
+          </p:cNvPr>
+          <p:cNvSpPr>
+            <a:spLocks noGrp="1"/>
+          </p:cNvSpPr>
+          <p:nvPr>
+            <p:ph idx="1"/>
+          </p:nvPr>
+        </p:nvSpPr>
+        <p:spPr>
+          <a:xfrm>
             <a:off x="696285" y="1825625"/>
             <a:ext cx="7449425" cy="4351338"/>
           </a:xfrm>
@@ -3623,7 +3769,224 @@
 </p:sld>
 </file>
 
-<file path=ppt/slides/slide11.xml><?xml version="1.0" encoding="utf-8"?>
+<file path=ppt/slides/slide12.xml><?xml version="1.0" encoding="utf-8"?>
+<p:sld xmlns:a="http://schemas.openxmlformats.org/drawingml/2006/main" xmlns:r="http://schemas.openxmlformats.org/officeDocument/2006/relationships" xmlns:p="http://schemas.openxmlformats.org/presentationml/2006/main">
+  <p:cSld>
+    <p:spTree>
+      <p:nvGrpSpPr>
+        <p:cNvPr id="1" name=""/>
+        <p:cNvGrpSpPr/>
+        <p:nvPr/>
+      </p:nvGrpSpPr>
+      <p:grpSpPr>
+        <a:xfrm>
+          <a:off x="0" y="0"/>
+          <a:ext cx="0" cy="0"/>
+          <a:chOff x="0" y="0"/>
+          <a:chExt cx="0" cy="0"/>
+        </a:xfrm>
+      </p:grpSpPr>
+      <p:sp>
+        <p:nvSpPr>
+          <p:cNvPr id="2" name="Title 1">
+            <a:extLst>
+              <a:ext uri="{FF2B5EF4-FFF2-40B4-BE49-F238E27FC236}">
+                <a16:creationId xmlns:a16="http://schemas.microsoft.com/office/drawing/2014/main" id="{9CC2CF20-BB56-6F34-839D-D0EC8B41BF7E}"/>
+              </a:ext>
+            </a:extLst>
+          </p:cNvPr>
+          <p:cNvSpPr>
+            <a:spLocks noGrp="1"/>
+          </p:cNvSpPr>
+          <p:nvPr>
+            <p:ph type="title"/>
+          </p:nvPr>
+        </p:nvSpPr>
+        <p:spPr/>
+        <p:txBody>
+          <a:bodyPr/>
+          <a:lstStyle/>
+          <a:p>
+            <a:r>
+              <a:rPr lang="en-GB" dirty="0"/>
+              <a:t>Key Results – Quasi-Harmonic Approximation</a:t>
+            </a:r>
+          </a:p>
+        </p:txBody>
+      </p:sp>
+      <p:sp>
+        <p:nvSpPr>
+          <p:cNvPr id="3" name="Content Placeholder 2">
+            <a:extLst>
+              <a:ext uri="{FF2B5EF4-FFF2-40B4-BE49-F238E27FC236}">
+                <a16:creationId xmlns:a16="http://schemas.microsoft.com/office/drawing/2014/main" id="{579CF973-B451-55D2-6155-95A27B39F348}"/>
+              </a:ext>
+            </a:extLst>
+          </p:cNvPr>
+          <p:cNvSpPr>
+            <a:spLocks noGrp="1"/>
+          </p:cNvSpPr>
+          <p:nvPr>
+            <p:ph idx="1"/>
+          </p:nvPr>
+        </p:nvSpPr>
+        <p:spPr>
+          <a:xfrm>
+            <a:off x="696285" y="1825625"/>
+            <a:ext cx="7449425" cy="4351338"/>
+          </a:xfrm>
+        </p:spPr>
+        <p:txBody>
+          <a:bodyPr/>
+          <a:lstStyle/>
+          <a:p>
+            <a:r>
+              <a:rPr lang="en-GB" dirty="0"/>
+              <a:t>Using the QHA, the volume-temperature relationship was established. </a:t>
+            </a:r>
+          </a:p>
+          <a:p>
+            <a:r>
+              <a:rPr lang="en-GB" dirty="0"/>
+              <a:t>This matched reasonably well but some discrepancy at 300 K.</a:t>
+            </a:r>
+          </a:p>
+          <a:p>
+            <a:r>
+              <a:rPr lang="en-GB" dirty="0"/>
+              <a:t>Unit cell with calculated volume at 300 K was used to produce a calculated THz absorption spectrum at 300 K.</a:t>
+            </a:r>
+          </a:p>
+          <a:p>
+            <a:r>
+              <a:rPr lang="en-GB" dirty="0"/>
+              <a:t>This matched well with experiment.</a:t>
+            </a:r>
+          </a:p>
+        </p:txBody>
+      </p:sp>
+      <p:pic>
+        <p:nvPicPr>
+          <p:cNvPr id="6" name="Picture 5" descr="Chart, histogram&#10;&#10;Description automatically generated">
+            <a:extLst>
+              <a:ext uri="{FF2B5EF4-FFF2-40B4-BE49-F238E27FC236}">
+                <a16:creationId xmlns:a16="http://schemas.microsoft.com/office/drawing/2014/main" id="{E628619A-B5C2-8125-86EE-BEB3DBF3E685}"/>
+              </a:ext>
+            </a:extLst>
+          </p:cNvPr>
+          <p:cNvPicPr>
+            <a:picLocks noChangeAspect="1"/>
+          </p:cNvPicPr>
+          <p:nvPr/>
+        </p:nvPicPr>
+        <p:blipFill>
+          <a:blip r:embed="rId2">
+            <a:extLst>
+              <a:ext uri="{28A0092B-C50C-407E-A947-70E740481C1C}">
+                <a14:useLocalDpi xmlns:a14="http://schemas.microsoft.com/office/drawing/2010/main" val="0"/>
+              </a:ext>
+            </a:extLst>
+          </a:blip>
+          <a:stretch>
+            <a:fillRect/>
+          </a:stretch>
+        </p:blipFill>
+        <p:spPr>
+          <a:xfrm>
+            <a:off x="8016208" y="3914727"/>
+            <a:ext cx="3134013" cy="2840596"/>
+          </a:xfrm>
+          <a:prstGeom prst="rect">
+            <a:avLst/>
+          </a:prstGeom>
+        </p:spPr>
+      </p:pic>
+      <p:pic>
+        <p:nvPicPr>
+          <p:cNvPr id="8" name="Picture 7" descr="Chart&#10;&#10;Description automatically generated">
+            <a:extLst>
+              <a:ext uri="{FF2B5EF4-FFF2-40B4-BE49-F238E27FC236}">
+                <a16:creationId xmlns:a16="http://schemas.microsoft.com/office/drawing/2014/main" id="{D900675B-08C9-7475-91D6-939AF4EC7928}"/>
+              </a:ext>
+            </a:extLst>
+          </p:cNvPr>
+          <p:cNvPicPr>
+            <a:picLocks noChangeAspect="1"/>
+          </p:cNvPicPr>
+          <p:nvPr/>
+        </p:nvPicPr>
+        <p:blipFill>
+          <a:blip r:embed="rId3">
+            <a:extLst>
+              <a:ext uri="{28A0092B-C50C-407E-A947-70E740481C1C}">
+                <a14:useLocalDpi xmlns:a14="http://schemas.microsoft.com/office/drawing/2010/main" val="0"/>
+              </a:ext>
+            </a:extLst>
+          </a:blip>
+          <a:stretch>
+            <a:fillRect/>
+          </a:stretch>
+        </p:blipFill>
+        <p:spPr>
+          <a:xfrm>
+            <a:off x="8016208" y="1271281"/>
+            <a:ext cx="3053326" cy="2495376"/>
+          </a:xfrm>
+          <a:prstGeom prst="rect">
+            <a:avLst/>
+          </a:prstGeom>
+        </p:spPr>
+      </p:pic>
+      <p:pic>
+        <p:nvPicPr>
+          <p:cNvPr id="4" name="Picture 3" descr="Chart, line chart&#10;&#10;Description automatically generated">
+            <a:extLst>
+              <a:ext uri="{FF2B5EF4-FFF2-40B4-BE49-F238E27FC236}">
+                <a16:creationId xmlns:a16="http://schemas.microsoft.com/office/drawing/2014/main" id="{BB468CBE-B6BA-C9EB-54ED-9D78C88CDD99}"/>
+              </a:ext>
+            </a:extLst>
+          </p:cNvPr>
+          <p:cNvPicPr>
+            <a:picLocks noChangeAspect="1"/>
+          </p:cNvPicPr>
+          <p:nvPr/>
+        </p:nvPicPr>
+        <p:blipFill>
+          <a:blip r:embed="rId4">
+            <a:extLst>
+              <a:ext uri="{28A0092B-C50C-407E-A947-70E740481C1C}">
+                <a14:useLocalDpi xmlns:a14="http://schemas.microsoft.com/office/drawing/2010/main" val="0"/>
+              </a:ext>
+            </a:extLst>
+          </a:blip>
+          <a:stretch>
+            <a:fillRect/>
+          </a:stretch>
+        </p:blipFill>
+        <p:spPr>
+          <a:xfrm>
+            <a:off x="7795717" y="3829676"/>
+            <a:ext cx="3558083" cy="3028324"/>
+          </a:xfrm>
+          <a:prstGeom prst="rect">
+            <a:avLst/>
+          </a:prstGeom>
+        </p:spPr>
+      </p:pic>
+    </p:spTree>
+    <p:extLst>
+      <p:ext uri="{BB962C8B-B14F-4D97-AF65-F5344CB8AC3E}">
+        <p14:creationId xmlns:p14="http://schemas.microsoft.com/office/powerpoint/2010/main" val="3919250584"/>
+      </p:ext>
+    </p:extLst>
+  </p:cSld>
+  <p:clrMapOvr>
+    <a:masterClrMapping/>
+  </p:clrMapOvr>
+</p:sld>
+</file>
+
+<file path=ppt/slides/slide13.xml><?xml version="1.0" encoding="utf-8"?>
 <p:sld xmlns:a="http://schemas.openxmlformats.org/drawingml/2006/main" xmlns:r="http://schemas.openxmlformats.org/officeDocument/2006/relationships" xmlns:p="http://schemas.openxmlformats.org/presentationml/2006/main">
   <p:cSld>
     <p:spTree>
@@ -3836,7 +4199,7 @@
 </p:sld>
 </file>
 
-<file path=ppt/slides/slide12.xml><?xml version="1.0" encoding="utf-8"?>
+<file path=ppt/slides/slide14.xml><?xml version="1.0" encoding="utf-8"?>
 <p:sld xmlns:a="http://schemas.openxmlformats.org/drawingml/2006/main" xmlns:r="http://schemas.openxmlformats.org/officeDocument/2006/relationships" xmlns:p="http://schemas.openxmlformats.org/presentationml/2006/main">
   <p:cSld>
     <p:spTree>
@@ -4043,7 +4406,7 @@
 </p:sld>
 </file>
 
-<file path=ppt/slides/slide13.xml><?xml version="1.0" encoding="utf-8"?>
+<file path=ppt/slides/slide15.xml><?xml version="1.0" encoding="utf-8"?>
 <p:sld xmlns:a="http://schemas.openxmlformats.org/drawingml/2006/main" xmlns:r="http://schemas.openxmlformats.org/officeDocument/2006/relationships" xmlns:p="http://schemas.openxmlformats.org/presentationml/2006/main">
   <p:cSld>
     <p:spTree>
@@ -4185,7 +4548,7 @@
 </p:sld>
 </file>
 
-<file path=ppt/slides/slide14.xml><?xml version="1.0" encoding="utf-8"?>
+<file path=ppt/slides/slide16.xml><?xml version="1.0" encoding="utf-8"?>
 <p:sld xmlns:a="http://schemas.openxmlformats.org/drawingml/2006/main" xmlns:r="http://schemas.openxmlformats.org/officeDocument/2006/relationships" xmlns:p="http://schemas.openxmlformats.org/presentationml/2006/main">
   <p:cSld>
     <p:spTree>
@@ -4361,20 +4724,31 @@
           <a:p>
             <a:r>
               <a:rPr lang="en-GB" dirty="0"/>
-              <a:t>Initially to improve the interpretation of THz-TD spectra to the point where 2D THz-TD spectra could be interpreted.</a:t>
-            </a:r>
-          </a:p>
-          <a:p>
-            <a:r>
-              <a:rPr lang="en-GB" dirty="0"/>
-              <a:t>Also to construct a new THz-TDS system that took advantage of optically transparent substrates and included an ATR unit.</a:t>
-            </a:r>
-          </a:p>
-          <a:p>
-            <a:r>
-              <a:rPr lang="en-GB" dirty="0"/>
-              <a:t>Owing to COVID-19 and other challenges, these targets had to be adjusted throughout.</a:t>
-            </a:r>
+              <a:t>To improve the interpretation of THz-TD spectra of crystalline materials, particularly at room temperature.</a:t>
+            </a:r>
+          </a:p>
+          <a:p>
+            <a:r>
+              <a:rPr lang="en-GB" dirty="0"/>
+              <a:t>Particularly to focus on </a:t>
+            </a:r>
+            <a:r>
+              <a:rPr lang="el-GR" dirty="0"/>
+              <a:t>α</a:t>
+            </a:r>
+            <a:r>
+              <a:rPr lang="en-GB" dirty="0"/>
+              <a:t>LM which is a common THz standard</a:t>
+            </a:r>
+          </a:p>
+          <a:p>
+            <a:r>
+              <a:rPr lang="en-GB" dirty="0"/>
+              <a:t>Construct a compact THz-TDS ATR system using LT-GaAs emitters.</a:t>
+            </a:r>
+          </a:p>
+          <a:p>
+            <a:endParaRPr lang="en-GB" dirty="0"/>
           </a:p>
           <a:p>
             <a:pPr marL="0" indent="0">
@@ -4398,7 +4772,7 @@
 </file>
 
 <file path=ppt/slides/slide3.xml><?xml version="1.0" encoding="utf-8"?>
-<p:sld xmlns:a="http://schemas.openxmlformats.org/drawingml/2006/main" xmlns:r="http://schemas.openxmlformats.org/officeDocument/2006/relationships" xmlns:p="http://schemas.openxmlformats.org/presentationml/2006/main">
+<p:sld xmlns:a="http://schemas.openxmlformats.org/drawingml/2006/main" xmlns:r="http://schemas.openxmlformats.org/officeDocument/2006/relationships" xmlns:p="http://schemas.openxmlformats.org/presentationml/2006/main" show="0">
   <p:cSld>
     <p:spTree>
       <p:nvGrpSpPr>
@@ -4595,6 +4969,12 @@
               <a:t>This peak does not shift with temperature which is unusual for phonon modes.</a:t>
             </a:r>
           </a:p>
+          <a:p>
+            <a:r>
+              <a:rPr lang="en-GB" dirty="0"/>
+              <a:t>4 simple reasons why this is a good standard</a:t>
+            </a:r>
+          </a:p>
         </p:txBody>
       </p:sp>
       <p:pic>
@@ -4624,44 +5004,8 @@
         </p:blipFill>
         <p:spPr>
           <a:xfrm>
-            <a:off x="7701044" y="486562"/>
-            <a:ext cx="3652756" cy="3179427"/>
-          </a:xfrm>
-          <a:prstGeom prst="rect">
-            <a:avLst/>
-          </a:prstGeom>
-        </p:spPr>
-      </p:pic>
-      <p:pic>
-        <p:nvPicPr>
-          <p:cNvPr id="7" name="Picture 6" descr="Chart, line chart&#10;&#10;Description automatically generated">
-            <a:extLst>
-              <a:ext uri="{FF2B5EF4-FFF2-40B4-BE49-F238E27FC236}">
-                <a16:creationId xmlns:a16="http://schemas.microsoft.com/office/drawing/2014/main" id="{4E358BC5-1F51-698D-1EC3-5DCC30B6D1BE}"/>
-              </a:ext>
-            </a:extLst>
-          </p:cNvPr>
-          <p:cNvPicPr>
-            <a:picLocks noChangeAspect="1"/>
-          </p:cNvPicPr>
-          <p:nvPr/>
-        </p:nvPicPr>
-        <p:blipFill>
-          <a:blip r:embed="rId3">
-            <a:extLst>
-              <a:ext uri="{28A0092B-C50C-407E-A947-70E740481C1C}">
-                <a14:useLocalDpi xmlns:a14="http://schemas.microsoft.com/office/drawing/2010/main" val="0"/>
-              </a:ext>
-            </a:extLst>
-          </a:blip>
-          <a:stretch>
-            <a:fillRect/>
-          </a:stretch>
-        </p:blipFill>
-        <p:spPr>
-          <a:xfrm>
-            <a:off x="7701044" y="3659175"/>
-            <a:ext cx="3558083" cy="3028324"/>
+            <a:off x="6409294" y="1239037"/>
+            <a:ext cx="5306456" cy="4618838"/>
           </a:xfrm>
           <a:prstGeom prst="rect">
             <a:avLst/>
@@ -4933,7 +5277,7 @@
           <a:p>
             <a:r>
               <a:rPr lang="en-GB" dirty="0"/>
-              <a:t>DFT was used throughout to calculate the phonon modes of a system, their frequency and their nature.</a:t>
+              <a:t>DFT (VASP) was used throughout to calculate the phonon modes.</a:t>
             </a:r>
           </a:p>
           <a:p>
@@ -5058,19 +5402,25 @@
           <a:p>
             <a:r>
               <a:rPr lang="en-GB" dirty="0"/>
-              <a:t>4 dispersion corrections were tested, along with a calculation with no dispersion for control</a:t>
-            </a:r>
-          </a:p>
-          <a:p>
-            <a:r>
-              <a:rPr lang="en-GB" dirty="0"/>
-              <a:t>Using PDielec, the calculated spectra with the highest correlation and lowest error with experiment was the D3 correction.</a:t>
-            </a:r>
-          </a:p>
-          <a:p>
-            <a:r>
-              <a:rPr lang="en-GB" dirty="0"/>
-              <a:t>The TS correction spectrum, whilst relatively underperforming in correlation with experiment, was altered the least by the optimisation process.</a:t>
+              <a:t>A number of dispersion corrections were tested.</a:t>
+            </a:r>
+          </a:p>
+          <a:p>
+            <a:r>
+              <a:rPr lang="en-GB" dirty="0"/>
+              <a:t>Comparing spectra is hard</a:t>
+            </a:r>
+          </a:p>
+          <a:p>
+            <a:r>
+              <a:rPr lang="en-GB" dirty="0"/>
+              <a:t>Explored a number of ways to systematically compare experiment and calculation</a:t>
+            </a:r>
+          </a:p>
+          <a:p>
+            <a:r>
+              <a:rPr lang="en-GB" dirty="0"/>
+              <a:t>Using PDielec, the calculated spectra with the highest correlation and lowest RMS error when compared to experiment was the D3 correction.</a:t>
             </a:r>
           </a:p>
         </p:txBody>
@@ -5182,6 +5532,122 @@
           <p:cNvPr id="2" name="Title 1">
             <a:extLst>
               <a:ext uri="{FF2B5EF4-FFF2-40B4-BE49-F238E27FC236}">
+                <a16:creationId xmlns:a16="http://schemas.microsoft.com/office/drawing/2014/main" id="{5E3E8CA5-0CCA-A3D9-5F66-54923F09A133}"/>
+              </a:ext>
+            </a:extLst>
+          </p:cNvPr>
+          <p:cNvSpPr>
+            <a:spLocks noGrp="1"/>
+          </p:cNvSpPr>
+          <p:nvPr>
+            <p:ph type="title"/>
+          </p:nvPr>
+        </p:nvSpPr>
+        <p:spPr/>
+        <p:txBody>
+          <a:bodyPr/>
+          <a:lstStyle/>
+          <a:p>
+            <a:endParaRPr lang="en-GB"/>
+          </a:p>
+        </p:txBody>
+      </p:sp>
+      <p:sp>
+        <p:nvSpPr>
+          <p:cNvPr id="3" name="Content Placeholder 2">
+            <a:extLst>
+              <a:ext uri="{FF2B5EF4-FFF2-40B4-BE49-F238E27FC236}">
+                <a16:creationId xmlns:a16="http://schemas.microsoft.com/office/drawing/2014/main" id="{A081B0CD-A6D9-5EBD-DD37-A4F41BAB6B2D}"/>
+              </a:ext>
+            </a:extLst>
+          </p:cNvPr>
+          <p:cNvSpPr>
+            <a:spLocks noGrp="1"/>
+          </p:cNvSpPr>
+          <p:nvPr>
+            <p:ph idx="1"/>
+          </p:nvPr>
+        </p:nvSpPr>
+        <p:spPr/>
+        <p:txBody>
+          <a:bodyPr/>
+          <a:lstStyle/>
+          <a:p>
+            <a:endParaRPr lang="en-GB"/>
+          </a:p>
+        </p:txBody>
+      </p:sp>
+      <p:pic>
+        <p:nvPicPr>
+          <p:cNvPr id="4" name="Picture 3" descr="Chart, histogram&#10;&#10;Description automatically generated">
+            <a:extLst>
+              <a:ext uri="{FF2B5EF4-FFF2-40B4-BE49-F238E27FC236}">
+                <a16:creationId xmlns:a16="http://schemas.microsoft.com/office/drawing/2014/main" id="{7A84D7FF-FE3C-B108-4FAF-D4324EF5B268}"/>
+              </a:ext>
+            </a:extLst>
+          </p:cNvPr>
+          <p:cNvPicPr>
+            <a:picLocks noChangeAspect="1"/>
+          </p:cNvPicPr>
+          <p:nvPr/>
+        </p:nvPicPr>
+        <p:blipFill>
+          <a:blip r:embed="rId2">
+            <a:extLst>
+              <a:ext uri="{28A0092B-C50C-407E-A947-70E740481C1C}">
+                <a14:useLocalDpi xmlns:a14="http://schemas.microsoft.com/office/drawing/2010/main" val="0"/>
+              </a:ext>
+            </a:extLst>
+          </a:blip>
+          <a:stretch>
+            <a:fillRect/>
+          </a:stretch>
+        </p:blipFill>
+        <p:spPr>
+          <a:xfrm>
+            <a:off x="1981200" y="68355"/>
+            <a:ext cx="7439025" cy="6789645"/>
+          </a:xfrm>
+          <a:prstGeom prst="rect">
+            <a:avLst/>
+          </a:prstGeom>
+        </p:spPr>
+      </p:pic>
+    </p:spTree>
+    <p:extLst>
+      <p:ext uri="{BB962C8B-B14F-4D97-AF65-F5344CB8AC3E}">
+        <p14:creationId xmlns:p14="http://schemas.microsoft.com/office/powerpoint/2010/main" val="3381468284"/>
+      </p:ext>
+    </p:extLst>
+  </p:cSld>
+  <p:clrMapOvr>
+    <a:masterClrMapping/>
+  </p:clrMapOvr>
+</p:sld>
+</file>
+
+<file path=ppt/slides/slide9.xml><?xml version="1.0" encoding="utf-8"?>
+<p:sld xmlns:a="http://schemas.openxmlformats.org/drawingml/2006/main" xmlns:r="http://schemas.openxmlformats.org/officeDocument/2006/relationships" xmlns:p="http://schemas.openxmlformats.org/presentationml/2006/main">
+  <p:cSld>
+    <p:spTree>
+      <p:nvGrpSpPr>
+        <p:cNvPr id="1" name=""/>
+        <p:cNvGrpSpPr/>
+        <p:nvPr/>
+      </p:nvGrpSpPr>
+      <p:grpSpPr>
+        <a:xfrm>
+          <a:off x="0" y="0"/>
+          <a:ext cx="0" cy="0"/>
+          <a:chOff x="0" y="0"/>
+          <a:chExt cx="0" cy="0"/>
+        </a:xfrm>
+      </p:grpSpPr>
+      <p:sp>
+        <p:nvSpPr>
+          <p:cNvPr id="2" name="Title 1">
+            <a:extLst>
+              <a:ext uri="{FF2B5EF4-FFF2-40B4-BE49-F238E27FC236}">
                 <a16:creationId xmlns:a16="http://schemas.microsoft.com/office/drawing/2014/main" id="{9CC2CF20-BB56-6F34-839D-D0EC8B41BF7E}"/>
               </a:ext>
             </a:extLst>
@@ -5228,12 +5694,20 @@
           </a:xfrm>
         </p:spPr>
         <p:txBody>
-          <a:bodyPr/>
-          <a:lstStyle/>
-          <a:p>
-            <a:r>
-              <a:rPr lang="en-GB" dirty="0"/>
-              <a:t>The changes between starting and final structures for each correction were examined.</a:t>
+          <a:bodyPr>
+            <a:normAutofit/>
+          </a:bodyPr>
+          <a:lstStyle/>
+          <a:p>
+            <a:r>
+              <a:rPr lang="en-GB" dirty="0"/>
+              <a:t>Difficult to link structural change to spectral change.</a:t>
+            </a:r>
+          </a:p>
+          <a:p>
+            <a:r>
+              <a:rPr lang="en-GB" dirty="0"/>
+              <a:t>Developed ways to make this comparison easier</a:t>
             </a:r>
           </a:p>
           <a:p>
@@ -5382,150 +5856,6 @@
     <p:extLst>
       <p:ext uri="{BB962C8B-B14F-4D97-AF65-F5344CB8AC3E}">
         <p14:creationId xmlns:p14="http://schemas.microsoft.com/office/powerpoint/2010/main" val="89246411"/>
-      </p:ext>
-    </p:extLst>
-  </p:cSld>
-  <p:clrMapOvr>
-    <a:masterClrMapping/>
-  </p:clrMapOvr>
-</p:sld>
-</file>
-
-<file path=ppt/slides/slide9.xml><?xml version="1.0" encoding="utf-8"?>
-<p:sld xmlns:a="http://schemas.openxmlformats.org/drawingml/2006/main" xmlns:r="http://schemas.openxmlformats.org/officeDocument/2006/relationships" xmlns:p="http://schemas.openxmlformats.org/presentationml/2006/main">
-  <p:cSld>
-    <p:spTree>
-      <p:nvGrpSpPr>
-        <p:cNvPr id="1" name=""/>
-        <p:cNvGrpSpPr/>
-        <p:nvPr/>
-      </p:nvGrpSpPr>
-      <p:grpSpPr>
-        <a:xfrm>
-          <a:off x="0" y="0"/>
-          <a:ext cx="0" cy="0"/>
-          <a:chOff x="0" y="0"/>
-          <a:chExt cx="0" cy="0"/>
-        </a:xfrm>
-      </p:grpSpPr>
-      <p:sp>
-        <p:nvSpPr>
-          <p:cNvPr id="2" name="Title 1">
-            <a:extLst>
-              <a:ext uri="{FF2B5EF4-FFF2-40B4-BE49-F238E27FC236}">
-                <a16:creationId xmlns:a16="http://schemas.microsoft.com/office/drawing/2014/main" id="{9CC2CF20-BB56-6F34-839D-D0EC8B41BF7E}"/>
-              </a:ext>
-            </a:extLst>
-          </p:cNvPr>
-          <p:cNvSpPr>
-            <a:spLocks noGrp="1"/>
-          </p:cNvSpPr>
-          <p:nvPr>
-            <p:ph type="title"/>
-          </p:nvPr>
-        </p:nvSpPr>
-        <p:spPr/>
-        <p:txBody>
-          <a:bodyPr/>
-          <a:lstStyle/>
-          <a:p>
-            <a:r>
-              <a:rPr lang="en-GB" dirty="0"/>
-              <a:t>Key Results – Quasi-Harmonic Approximation</a:t>
-            </a:r>
-          </a:p>
-        </p:txBody>
-      </p:sp>
-      <p:sp>
-        <p:nvSpPr>
-          <p:cNvPr id="3" name="Content Placeholder 2">
-            <a:extLst>
-              <a:ext uri="{FF2B5EF4-FFF2-40B4-BE49-F238E27FC236}">
-                <a16:creationId xmlns:a16="http://schemas.microsoft.com/office/drawing/2014/main" id="{579CF973-B451-55D2-6155-95A27B39F348}"/>
-              </a:ext>
-            </a:extLst>
-          </p:cNvPr>
-          <p:cNvSpPr>
-            <a:spLocks noGrp="1"/>
-          </p:cNvSpPr>
-          <p:nvPr>
-            <p:ph idx="1"/>
-          </p:nvPr>
-        </p:nvSpPr>
-        <p:spPr>
-          <a:xfrm>
-            <a:off x="838200" y="1825625"/>
-            <a:ext cx="5668538" cy="4351338"/>
-          </a:xfrm>
-        </p:spPr>
-        <p:txBody>
-          <a:bodyPr/>
-          <a:lstStyle/>
-          <a:p>
-            <a:r>
-              <a:rPr lang="en-GB" dirty="0"/>
-              <a:t>Experimental spectra were measured between 4 and 300 K in 50 K increments.</a:t>
-            </a:r>
-          </a:p>
-          <a:p>
-            <a:r>
-              <a:rPr lang="en-GB" dirty="0"/>
-              <a:t>Modes follow expected trend of red-shifting with temperature except 1</a:t>
-            </a:r>
-            <a:r>
-              <a:rPr lang="en-GB" baseline="30000" dirty="0"/>
-              <a:t>st</a:t>
-            </a:r>
-            <a:r>
-              <a:rPr lang="en-GB" dirty="0"/>
-              <a:t> mode.</a:t>
-            </a:r>
-          </a:p>
-          <a:p>
-            <a:endParaRPr lang="en-GB" dirty="0"/>
-          </a:p>
-        </p:txBody>
-      </p:sp>
-      <p:pic>
-        <p:nvPicPr>
-          <p:cNvPr id="5" name="Picture 4" descr="Chart&#10;&#10;Description automatically generated">
-            <a:extLst>
-              <a:ext uri="{FF2B5EF4-FFF2-40B4-BE49-F238E27FC236}">
-                <a16:creationId xmlns:a16="http://schemas.microsoft.com/office/drawing/2014/main" id="{1D61CB55-5F55-B8BA-0876-873BBC9D3DA1}"/>
-              </a:ext>
-            </a:extLst>
-          </p:cNvPr>
-          <p:cNvPicPr>
-            <a:picLocks noChangeAspect="1"/>
-          </p:cNvPicPr>
-          <p:nvPr/>
-        </p:nvPicPr>
-        <p:blipFill>
-          <a:blip r:embed="rId2">
-            <a:extLst>
-              <a:ext uri="{28A0092B-C50C-407E-A947-70E740481C1C}">
-                <a14:useLocalDpi xmlns:a14="http://schemas.microsoft.com/office/drawing/2010/main" val="0"/>
-              </a:ext>
-            </a:extLst>
-          </a:blip>
-          <a:stretch>
-            <a:fillRect/>
-          </a:stretch>
-        </p:blipFill>
-        <p:spPr>
-          <a:xfrm>
-            <a:off x="6506738" y="1825625"/>
-            <a:ext cx="5070070" cy="4109474"/>
-          </a:xfrm>
-          <a:prstGeom prst="rect">
-            <a:avLst/>
-          </a:prstGeom>
-        </p:spPr>
-      </p:pic>
-    </p:spTree>
-    <p:extLst>
-      <p:ext uri="{BB962C8B-B14F-4D97-AF65-F5344CB8AC3E}">
-        <p14:creationId xmlns:p14="http://schemas.microsoft.com/office/powerpoint/2010/main" val="1297900223"/>
       </p:ext>
     </p:extLst>
   </p:cSld>

--- a/VIVA_Presentation.pptx
+++ b/VIVA_Presentation.pptx
@@ -7,20 +7,19 @@
   <p:sldIdLst>
     <p:sldId id="256" r:id="rId2"/>
     <p:sldId id="264" r:id="rId3"/>
-    <p:sldId id="265" r:id="rId4"/>
-    <p:sldId id="262" r:id="rId5"/>
-    <p:sldId id="258" r:id="rId6"/>
-    <p:sldId id="259" r:id="rId7"/>
-    <p:sldId id="268" r:id="rId8"/>
-    <p:sldId id="274" r:id="rId9"/>
-    <p:sldId id="269" r:id="rId10"/>
-    <p:sldId id="266" r:id="rId11"/>
+    <p:sldId id="262" r:id="rId4"/>
+    <p:sldId id="258" r:id="rId5"/>
+    <p:sldId id="259" r:id="rId6"/>
+    <p:sldId id="268" r:id="rId7"/>
+    <p:sldId id="274" r:id="rId8"/>
+    <p:sldId id="269" r:id="rId9"/>
+    <p:sldId id="266" r:id="rId10"/>
+    <p:sldId id="275" r:id="rId11"/>
     <p:sldId id="270" r:id="rId12"/>
     <p:sldId id="273" r:id="rId13"/>
     <p:sldId id="267" r:id="rId14"/>
     <p:sldId id="271" r:id="rId15"/>
-    <p:sldId id="272" r:id="rId16"/>
-    <p:sldId id="261" r:id="rId17"/>
+    <p:sldId id="261" r:id="rId16"/>
   </p:sldIdLst>
   <p:sldSz cx="12192000" cy="6858000"/>
   <p:notesSz cx="6858000" cy="9144000"/>
@@ -2779,9 +2778,33 @@
 <p:sldMaster xmlns:a="http://schemas.openxmlformats.org/drawingml/2006/main" xmlns:r="http://schemas.openxmlformats.org/officeDocument/2006/relationships" xmlns:p="http://schemas.openxmlformats.org/presentationml/2006/main">
   <p:cSld>
     <p:bg>
-      <p:bgRef idx="1001">
-        <a:schemeClr val="bg1"/>
-      </p:bgRef>
+      <p:bgPr>
+        <a:gradFill flip="none" rotWithShape="1">
+          <a:gsLst>
+            <a:gs pos="0">
+              <a:schemeClr val="accent6"/>
+            </a:gs>
+            <a:gs pos="9000">
+              <a:schemeClr val="accent6">
+                <a:lumMod val="60000"/>
+                <a:lumOff val="40000"/>
+              </a:schemeClr>
+            </a:gs>
+            <a:gs pos="20000">
+              <a:schemeClr val="accent6">
+                <a:lumMod val="20000"/>
+                <a:lumOff val="80000"/>
+              </a:schemeClr>
+            </a:gs>
+            <a:gs pos="30000">
+              <a:schemeClr val="bg1"/>
+            </a:gs>
+          </a:gsLst>
+          <a:lin ang="5400000" scaled="1"/>
+          <a:tileRect/>
+        </a:gradFill>
+        <a:effectLst/>
+      </p:bgPr>
     </p:bg>
     <p:spTree>
       <p:nvGrpSpPr>
@@ -3447,6 +3470,14 @@
 <file path=ppt/slides/slide10.xml><?xml version="1.0" encoding="utf-8"?>
 <p:sld xmlns:a="http://schemas.openxmlformats.org/drawingml/2006/main" xmlns:r="http://schemas.openxmlformats.org/officeDocument/2006/relationships" xmlns:p="http://schemas.openxmlformats.org/presentationml/2006/main">
   <p:cSld>
+    <p:bg>
+      <p:bgPr>
+        <a:solidFill>
+          <a:schemeClr val="bg1"/>
+        </a:solidFill>
+        <a:effectLst/>
+      </p:bgPr>
+    </p:bg>
     <p:spTree>
       <p:nvGrpSpPr>
         <p:cNvPr id="1" name=""/>
@@ -3461,90 +3492,12 @@
           <a:chExt cx="0" cy="0"/>
         </a:xfrm>
       </p:grpSpPr>
-      <p:sp>
-        <p:nvSpPr>
-          <p:cNvPr id="2" name="Title 1">
-            <a:extLst>
-              <a:ext uri="{FF2B5EF4-FFF2-40B4-BE49-F238E27FC236}">
-                <a16:creationId xmlns:a16="http://schemas.microsoft.com/office/drawing/2014/main" id="{9CC2CF20-BB56-6F34-839D-D0EC8B41BF7E}"/>
-              </a:ext>
-            </a:extLst>
-          </p:cNvPr>
-          <p:cNvSpPr>
-            <a:spLocks noGrp="1"/>
-          </p:cNvSpPr>
-          <p:nvPr>
-            <p:ph type="title"/>
-          </p:nvPr>
-        </p:nvSpPr>
-        <p:spPr/>
-        <p:txBody>
-          <a:bodyPr/>
-          <a:lstStyle/>
-          <a:p>
-            <a:r>
-              <a:rPr lang="en-GB" dirty="0"/>
-              <a:t>Key Results – Quasi-Harmonic Approximation</a:t>
-            </a:r>
-          </a:p>
-        </p:txBody>
-      </p:sp>
-      <p:sp>
-        <p:nvSpPr>
-          <p:cNvPr id="3" name="Content Placeholder 2">
-            <a:extLst>
-              <a:ext uri="{FF2B5EF4-FFF2-40B4-BE49-F238E27FC236}">
-                <a16:creationId xmlns:a16="http://schemas.microsoft.com/office/drawing/2014/main" id="{579CF973-B451-55D2-6155-95A27B39F348}"/>
-              </a:ext>
-            </a:extLst>
-          </p:cNvPr>
-          <p:cNvSpPr>
-            <a:spLocks noGrp="1"/>
-          </p:cNvSpPr>
-          <p:nvPr>
-            <p:ph idx="1"/>
-          </p:nvPr>
-        </p:nvSpPr>
-        <p:spPr>
-          <a:xfrm>
-            <a:off x="838200" y="1825625"/>
-            <a:ext cx="5668538" cy="4351338"/>
-          </a:xfrm>
-        </p:spPr>
-        <p:txBody>
-          <a:bodyPr/>
-          <a:lstStyle/>
-          <a:p>
-            <a:r>
-              <a:rPr lang="en-GB" dirty="0"/>
-              <a:t>Experimental spectra were measured between 4 and 300 K in 50 K increments.</a:t>
-            </a:r>
-          </a:p>
-          <a:p>
-            <a:r>
-              <a:rPr lang="en-GB" dirty="0"/>
-              <a:t>Modes follow expected trend of red-shifting with temperature except 1</a:t>
-            </a:r>
-            <a:r>
-              <a:rPr lang="en-GB" baseline="30000" dirty="0"/>
-              <a:t>st</a:t>
-            </a:r>
-            <a:r>
-              <a:rPr lang="en-GB" dirty="0"/>
-              <a:t> mode.</a:t>
-            </a:r>
-          </a:p>
-          <a:p>
-            <a:endParaRPr lang="en-GB" dirty="0"/>
-          </a:p>
-        </p:txBody>
-      </p:sp>
       <p:pic>
         <p:nvPicPr>
-          <p:cNvPr id="5" name="Picture 4" descr="Chart&#10;&#10;Description automatically generated">
-            <a:extLst>
-              <a:ext uri="{FF2B5EF4-FFF2-40B4-BE49-F238E27FC236}">
-                <a16:creationId xmlns:a16="http://schemas.microsoft.com/office/drawing/2014/main" id="{1D61CB55-5F55-B8BA-0876-873BBC9D3DA1}"/>
+          <p:cNvPr id="4" name="Picture 3" descr="Chart&#10;&#10;Description automatically generated">
+            <a:extLst>
+              <a:ext uri="{FF2B5EF4-FFF2-40B4-BE49-F238E27FC236}">
+                <a16:creationId xmlns:a16="http://schemas.microsoft.com/office/drawing/2014/main" id="{D6E8A18C-E8EF-456C-2AC8-57FABD4679CF}"/>
               </a:ext>
             </a:extLst>
           </p:cNvPr>
@@ -3567,8 +3520,8 @@
         </p:blipFill>
         <p:spPr>
           <a:xfrm>
-            <a:off x="6506738" y="1825625"/>
-            <a:ext cx="5070070" cy="4109474"/>
+            <a:off x="1865466" y="0"/>
+            <a:ext cx="8461068" cy="6858000"/>
           </a:xfrm>
           <a:prstGeom prst="rect">
             <a:avLst/>
@@ -3578,7 +3531,7 @@
     </p:spTree>
     <p:extLst>
       <p:ext uri="{BB962C8B-B14F-4D97-AF65-F5344CB8AC3E}">
-        <p14:creationId xmlns:p14="http://schemas.microsoft.com/office/powerpoint/2010/main" val="1297900223"/>
+        <p14:creationId xmlns:p14="http://schemas.microsoft.com/office/powerpoint/2010/main" val="1992448989"/>
       </p:ext>
     </p:extLst>
   </p:cSld>
@@ -3748,7 +3701,7 @@
         </p:blipFill>
         <p:spPr>
           <a:xfrm>
-            <a:off x="8016208" y="1271281"/>
+            <a:off x="8016208" y="1299562"/>
             <a:ext cx="3053326" cy="2495376"/>
           </a:xfrm>
           <a:prstGeom prst="rect">
@@ -3867,10 +3820,10 @@
       </p:sp>
       <p:pic>
         <p:nvPicPr>
-          <p:cNvPr id="6" name="Picture 5" descr="Chart, histogram&#10;&#10;Description automatically generated">
-            <a:extLst>
-              <a:ext uri="{FF2B5EF4-FFF2-40B4-BE49-F238E27FC236}">
-                <a16:creationId xmlns:a16="http://schemas.microsoft.com/office/drawing/2014/main" id="{E628619A-B5C2-8125-86EE-BEB3DBF3E685}"/>
+          <p:cNvPr id="8" name="Picture 7" descr="Chart&#10;&#10;Description automatically generated">
+            <a:extLst>
+              <a:ext uri="{FF2B5EF4-FFF2-40B4-BE49-F238E27FC236}">
+                <a16:creationId xmlns:a16="http://schemas.microsoft.com/office/drawing/2014/main" id="{D900675B-08C9-7475-91D6-939AF4EC7928}"/>
               </a:ext>
             </a:extLst>
           </p:cNvPr>
@@ -3893,43 +3846,7 @@
         </p:blipFill>
         <p:spPr>
           <a:xfrm>
-            <a:off x="8016208" y="3914727"/>
-            <a:ext cx="3134013" cy="2840596"/>
-          </a:xfrm>
-          <a:prstGeom prst="rect">
-            <a:avLst/>
-          </a:prstGeom>
-        </p:spPr>
-      </p:pic>
-      <p:pic>
-        <p:nvPicPr>
-          <p:cNvPr id="8" name="Picture 7" descr="Chart&#10;&#10;Description automatically generated">
-            <a:extLst>
-              <a:ext uri="{FF2B5EF4-FFF2-40B4-BE49-F238E27FC236}">
-                <a16:creationId xmlns:a16="http://schemas.microsoft.com/office/drawing/2014/main" id="{D900675B-08C9-7475-91D6-939AF4EC7928}"/>
-              </a:ext>
-            </a:extLst>
-          </p:cNvPr>
-          <p:cNvPicPr>
-            <a:picLocks noChangeAspect="1"/>
-          </p:cNvPicPr>
-          <p:nvPr/>
-        </p:nvPicPr>
-        <p:blipFill>
-          <a:blip r:embed="rId3">
-            <a:extLst>
-              <a:ext uri="{28A0092B-C50C-407E-A947-70E740481C1C}">
-                <a14:useLocalDpi xmlns:a14="http://schemas.microsoft.com/office/drawing/2010/main" val="0"/>
-              </a:ext>
-            </a:extLst>
-          </a:blip>
-          <a:stretch>
-            <a:fillRect/>
-          </a:stretch>
-        </p:blipFill>
-        <p:spPr>
-          <a:xfrm>
-            <a:off x="8016208" y="1271281"/>
+            <a:off x="8016208" y="1298989"/>
             <a:ext cx="3053326" cy="2495376"/>
           </a:xfrm>
           <a:prstGeom prst="rect">
@@ -3939,10 +3856,10 @@
       </p:pic>
       <p:pic>
         <p:nvPicPr>
-          <p:cNvPr id="4" name="Picture 3" descr="Chart, line chart&#10;&#10;Description automatically generated">
-            <a:extLst>
-              <a:ext uri="{FF2B5EF4-FFF2-40B4-BE49-F238E27FC236}">
-                <a16:creationId xmlns:a16="http://schemas.microsoft.com/office/drawing/2014/main" id="{BB468CBE-B6BA-C9EB-54ED-9D78C88CDD99}"/>
+          <p:cNvPr id="7" name="Picture 6" descr="Chart, line chart&#10;&#10;Description automatically generated">
+            <a:extLst>
+              <a:ext uri="{FF2B5EF4-FFF2-40B4-BE49-F238E27FC236}">
+                <a16:creationId xmlns:a16="http://schemas.microsoft.com/office/drawing/2014/main" id="{4987CDDA-C8C2-3427-217C-44E76AA6E5B9}"/>
               </a:ext>
             </a:extLst>
           </p:cNvPr>
@@ -3952,7 +3869,7 @@
           <p:nvPr/>
         </p:nvPicPr>
         <p:blipFill>
-          <a:blip r:embed="rId4">
+          <a:blip r:embed="rId3">
             <a:extLst>
               <a:ext uri="{28A0092B-C50C-407E-A947-70E740481C1C}">
                 <a14:useLocalDpi xmlns:a14="http://schemas.microsoft.com/office/drawing/2010/main" val="0"/>
@@ -3965,8 +3882,8 @@
         </p:blipFill>
         <p:spPr>
           <a:xfrm>
-            <a:off x="7795717" y="3829676"/>
-            <a:ext cx="3558083" cy="3028324"/>
+            <a:off x="8016209" y="3997499"/>
+            <a:ext cx="3063690" cy="2495376"/>
           </a:xfrm>
           <a:prstGeom prst="rect">
             <a:avLst/>
@@ -4080,10 +3997,10 @@
       </p:sp>
       <p:pic>
         <p:nvPicPr>
-          <p:cNvPr id="5" name="Picture 4" descr="Chart, line chart&#10;&#10;Description automatically generated">
-            <a:extLst>
-              <a:ext uri="{FF2B5EF4-FFF2-40B4-BE49-F238E27FC236}">
-                <a16:creationId xmlns:a16="http://schemas.microsoft.com/office/drawing/2014/main" id="{45F6BAA2-07A6-D790-4156-9C5CD8FBED68}"/>
+          <p:cNvPr id="7" name="Picture 6" descr="Chart, line chart&#10;&#10;Description automatically generated">
+            <a:extLst>
+              <a:ext uri="{FF2B5EF4-FFF2-40B4-BE49-F238E27FC236}">
+                <a16:creationId xmlns:a16="http://schemas.microsoft.com/office/drawing/2014/main" id="{989C3894-52FE-3998-4CCE-6CA5D24B0E71}"/>
               </a:ext>
             </a:extLst>
           </p:cNvPr>
@@ -4106,80 +4023,8 @@
         </p:blipFill>
         <p:spPr>
           <a:xfrm>
-            <a:off x="8590823" y="4001294"/>
-            <a:ext cx="3471798" cy="2830789"/>
-          </a:xfrm>
-          <a:prstGeom prst="rect">
-            <a:avLst/>
-          </a:prstGeom>
-        </p:spPr>
-      </p:pic>
-      <p:pic>
-        <p:nvPicPr>
-          <p:cNvPr id="7" name="Picture 6" descr="Chart, line chart&#10;&#10;Description automatically generated">
-            <a:extLst>
-              <a:ext uri="{FF2B5EF4-FFF2-40B4-BE49-F238E27FC236}">
-                <a16:creationId xmlns:a16="http://schemas.microsoft.com/office/drawing/2014/main" id="{989C3894-52FE-3998-4CCE-6CA5D24B0E71}"/>
-              </a:ext>
-            </a:extLst>
-          </p:cNvPr>
-          <p:cNvPicPr>
-            <a:picLocks noChangeAspect="1"/>
-          </p:cNvPicPr>
-          <p:nvPr/>
-        </p:nvPicPr>
-        <p:blipFill>
-          <a:blip r:embed="rId3">
-            <a:extLst>
-              <a:ext uri="{28A0092B-C50C-407E-A947-70E740481C1C}">
-                <a14:useLocalDpi xmlns:a14="http://schemas.microsoft.com/office/drawing/2010/main" val="0"/>
-              </a:ext>
-            </a:extLst>
-          </a:blip>
-          <a:stretch>
-            <a:fillRect/>
-          </a:stretch>
-        </p:blipFill>
-        <p:spPr>
-          <a:xfrm>
-            <a:off x="5307345" y="4061766"/>
-            <a:ext cx="3471799" cy="2770317"/>
-          </a:xfrm>
-          <a:prstGeom prst="rect">
-            <a:avLst/>
-          </a:prstGeom>
-        </p:spPr>
-      </p:pic>
-      <p:pic>
-        <p:nvPicPr>
-          <p:cNvPr id="9" name="Picture 8" descr="Chart&#10;&#10;Description automatically generated">
-            <a:extLst>
-              <a:ext uri="{FF2B5EF4-FFF2-40B4-BE49-F238E27FC236}">
-                <a16:creationId xmlns:a16="http://schemas.microsoft.com/office/drawing/2014/main" id="{BB131B3E-7CEC-578A-913C-5C9031BC5F1D}"/>
-              </a:ext>
-            </a:extLst>
-          </p:cNvPr>
-          <p:cNvPicPr>
-            <a:picLocks noChangeAspect="1"/>
-          </p:cNvPicPr>
-          <p:nvPr/>
-        </p:nvPicPr>
-        <p:blipFill>
-          <a:blip r:embed="rId4">
-            <a:extLst>
-              <a:ext uri="{28A0092B-C50C-407E-A947-70E740481C1C}">
-                <a14:useLocalDpi xmlns:a14="http://schemas.microsoft.com/office/drawing/2010/main" val="0"/>
-              </a:ext>
-            </a:extLst>
-          </a:blip>
-          <a:stretch>
-            <a:fillRect/>
-          </a:stretch>
-        </p:blipFill>
-        <p:spPr>
-          <a:xfrm>
-            <a:off x="7080536" y="1247775"/>
-            <a:ext cx="3397216" cy="2783755"/>
+            <a:off x="5534377" y="1690688"/>
+            <a:ext cx="6306641" cy="5032375"/>
           </a:xfrm>
           <a:prstGeom prst="rect">
             <a:avLst/>
@@ -4262,8 +4107,8 @@
         </p:nvSpPr>
         <p:spPr>
           <a:xfrm>
-            <a:off x="838200" y="1825625"/>
-            <a:ext cx="6938394" cy="4351338"/>
+            <a:off x="838199" y="1825625"/>
+            <a:ext cx="10919691" cy="1603375"/>
           </a:xfrm>
         </p:spPr>
         <p:txBody>
@@ -4275,34 +4120,6 @@
             <a:r>
               <a:rPr lang="en-GB" dirty="0"/>
               <a:t>Other systems were investigated but these were not finished owing either to computational resources or work being halted for COVID.</a:t>
-            </a:r>
-          </a:p>
-          <a:p>
-            <a:r>
-              <a:rPr lang="en-GB" dirty="0"/>
-              <a:t>The THz absorption of Cysteine was measured but calculation proved challenging.</a:t>
-            </a:r>
-          </a:p>
-          <a:p>
-            <a:r>
-              <a:rPr lang="en-GB" dirty="0"/>
-              <a:t>Fe(</a:t>
-            </a:r>
-            <a:r>
-              <a:rPr lang="en-GB" dirty="0" err="1"/>
-              <a:t>acac</a:t>
-            </a:r>
-            <a:r>
-              <a:rPr lang="en-GB" dirty="0"/>
-              <a:t>)</a:t>
-            </a:r>
-            <a:r>
-              <a:rPr lang="en-GB" baseline="-25000" dirty="0"/>
-              <a:t>3 </a:t>
-            </a:r>
-            <a:r>
-              <a:rPr lang="en-GB" dirty="0"/>
-              <a:t>was measured but owing to the Fe centre and large ligands, this was unfeasible to calculated using DFT at present.</a:t>
             </a:r>
           </a:p>
         </p:txBody>
@@ -4334,8 +4151,8 @@
         </p:blipFill>
         <p:spPr bwMode="auto">
           <a:xfrm>
-            <a:off x="8147027" y="566899"/>
-            <a:ext cx="3449061" cy="3069697"/>
+            <a:off x="4307397" y="3591040"/>
+            <a:ext cx="3500248" cy="3115254"/>
           </a:xfrm>
           <a:prstGeom prst="rect">
             <a:avLst/>
@@ -4393,6 +4210,167 @@
           </a:extLst>
         </p:spPr>
       </p:pic>
+      <p:pic>
+        <p:nvPicPr>
+          <p:cNvPr id="5" name="Picture 4" descr="A close up of a map&#10;&#10;Description automatically generated">
+            <a:extLst>
+              <a:ext uri="{FF2B5EF4-FFF2-40B4-BE49-F238E27FC236}">
+                <a16:creationId xmlns:a16="http://schemas.microsoft.com/office/drawing/2014/main" id="{458AE397-982A-DE7A-BE20-0D4FCB2B913B}"/>
+              </a:ext>
+            </a:extLst>
+          </p:cNvPr>
+          <p:cNvPicPr>
+            <a:picLocks noChangeAspect="1"/>
+          </p:cNvPicPr>
+          <p:nvPr/>
+        </p:nvPicPr>
+        <p:blipFill rotWithShape="1">
+          <a:blip r:embed="rId4" cstate="print">
+            <a:extLst>
+              <a:ext uri="{28A0092B-C50C-407E-A947-70E740481C1C}">
+                <a14:useLocalDpi xmlns:a14="http://schemas.microsoft.com/office/drawing/2010/main" val="0"/>
+              </a:ext>
+            </a:extLst>
+          </a:blip>
+          <a:srcRect l="4446" t="6375" r="4728" b="5549"/>
+          <a:stretch/>
+        </p:blipFill>
+        <p:spPr bwMode="auto">
+          <a:xfrm>
+            <a:off x="314361" y="3519055"/>
+            <a:ext cx="3718261" cy="3232796"/>
+          </a:xfrm>
+          <a:prstGeom prst="rect">
+            <a:avLst/>
+          </a:prstGeom>
+          <a:ln>
+            <a:noFill/>
+          </a:ln>
+          <a:extLst>
+            <a:ext uri="{53640926-AAD7-44D8-BBD7-CCE9431645EC}">
+              <a14:shadowObscured xmlns:a14="http://schemas.microsoft.com/office/drawing/2010/main"/>
+            </a:ext>
+          </a:extLst>
+        </p:spPr>
+      </p:pic>
+      <p:sp>
+        <p:nvSpPr>
+          <p:cNvPr id="7" name="TextBox 6">
+            <a:extLst>
+              <a:ext uri="{FF2B5EF4-FFF2-40B4-BE49-F238E27FC236}">
+                <a16:creationId xmlns:a16="http://schemas.microsoft.com/office/drawing/2014/main" id="{71B63629-9D9A-7D40-7F8E-39E48C755888}"/>
+              </a:ext>
+            </a:extLst>
+          </p:cNvPr>
+          <p:cNvSpPr txBox="1"/>
+          <p:nvPr/>
+        </p:nvSpPr>
+        <p:spPr>
+          <a:xfrm>
+            <a:off x="1191492" y="3154279"/>
+            <a:ext cx="2409634" cy="369332"/>
+          </a:xfrm>
+          <a:prstGeom prst="rect">
+            <a:avLst/>
+          </a:prstGeom>
+          <a:noFill/>
+        </p:spPr>
+        <p:txBody>
+          <a:bodyPr wrap="none" rtlCol="0">
+            <a:spAutoFit/>
+          </a:bodyPr>
+          <a:lstStyle/>
+          <a:p>
+            <a:r>
+              <a:rPr lang="en-GB" dirty="0"/>
+              <a:t>Pt Complex and Ligands</a:t>
+            </a:r>
+          </a:p>
+        </p:txBody>
+      </p:sp>
+      <p:sp>
+        <p:nvSpPr>
+          <p:cNvPr id="8" name="TextBox 7">
+            <a:extLst>
+              <a:ext uri="{FF2B5EF4-FFF2-40B4-BE49-F238E27FC236}">
+                <a16:creationId xmlns:a16="http://schemas.microsoft.com/office/drawing/2014/main" id="{F7699974-A8AA-79D1-92FA-627100FE61C3}"/>
+              </a:ext>
+            </a:extLst>
+          </p:cNvPr>
+          <p:cNvSpPr txBox="1"/>
+          <p:nvPr/>
+        </p:nvSpPr>
+        <p:spPr>
+          <a:xfrm>
+            <a:off x="5568829" y="3158960"/>
+            <a:ext cx="977383" cy="369332"/>
+          </a:xfrm>
+          <a:prstGeom prst="rect">
+            <a:avLst/>
+          </a:prstGeom>
+          <a:noFill/>
+        </p:spPr>
+        <p:txBody>
+          <a:bodyPr wrap="none" rtlCol="0">
+            <a:spAutoFit/>
+          </a:bodyPr>
+          <a:lstStyle/>
+          <a:p>
+            <a:r>
+              <a:rPr lang="en-GB" dirty="0"/>
+              <a:t>Cysteine</a:t>
+            </a:r>
+          </a:p>
+        </p:txBody>
+      </p:sp>
+      <p:sp>
+        <p:nvSpPr>
+          <p:cNvPr id="9" name="TextBox 8">
+            <a:extLst>
+              <a:ext uri="{FF2B5EF4-FFF2-40B4-BE49-F238E27FC236}">
+                <a16:creationId xmlns:a16="http://schemas.microsoft.com/office/drawing/2014/main" id="{39B29754-C79C-3C35-1DE0-67D8FD8EE705}"/>
+              </a:ext>
+            </a:extLst>
+          </p:cNvPr>
+          <p:cNvSpPr txBox="1"/>
+          <p:nvPr/>
+        </p:nvSpPr>
+        <p:spPr>
+          <a:xfrm>
+            <a:off x="9353082" y="3158960"/>
+            <a:ext cx="1036951" cy="369332"/>
+          </a:xfrm>
+          <a:prstGeom prst="rect">
+            <a:avLst/>
+          </a:prstGeom>
+          <a:noFill/>
+        </p:spPr>
+        <p:txBody>
+          <a:bodyPr wrap="none" rtlCol="0">
+            <a:spAutoFit/>
+          </a:bodyPr>
+          <a:lstStyle/>
+          <a:p>
+            <a:r>
+              <a:rPr lang="en-GB" dirty="0"/>
+              <a:t>Fe(</a:t>
+            </a:r>
+            <a:r>
+              <a:rPr lang="en-GB" dirty="0" err="1"/>
+              <a:t>acac</a:t>
+            </a:r>
+            <a:r>
+              <a:rPr lang="en-GB" dirty="0"/>
+              <a:t>)</a:t>
+            </a:r>
+            <a:r>
+              <a:rPr lang="en-GB" baseline="-25000" dirty="0"/>
+              <a:t>3</a:t>
+            </a:r>
+            <a:endParaRPr lang="en-GB" dirty="0"/>
+          </a:p>
+        </p:txBody>
+      </p:sp>
     </p:spTree>
     <p:extLst>
       <p:ext uri="{BB962C8B-B14F-4D97-AF65-F5344CB8AC3E}">
@@ -4428,148 +4406,6 @@
           <p:cNvPr id="2" name="Title 1">
             <a:extLst>
               <a:ext uri="{FF2B5EF4-FFF2-40B4-BE49-F238E27FC236}">
-                <a16:creationId xmlns:a16="http://schemas.microsoft.com/office/drawing/2014/main" id="{9CC2CF20-BB56-6F34-839D-D0EC8B41BF7E}"/>
-              </a:ext>
-            </a:extLst>
-          </p:cNvPr>
-          <p:cNvSpPr>
-            <a:spLocks noGrp="1"/>
-          </p:cNvSpPr>
-          <p:nvPr>
-            <p:ph type="title"/>
-          </p:nvPr>
-        </p:nvSpPr>
-        <p:spPr/>
-        <p:txBody>
-          <a:bodyPr/>
-          <a:lstStyle/>
-          <a:p>
-            <a:r>
-              <a:rPr lang="en-GB" dirty="0"/>
-              <a:t>Other Investigations</a:t>
-            </a:r>
-          </a:p>
-        </p:txBody>
-      </p:sp>
-      <p:sp>
-        <p:nvSpPr>
-          <p:cNvPr id="3" name="Content Placeholder 2">
-            <a:extLst>
-              <a:ext uri="{FF2B5EF4-FFF2-40B4-BE49-F238E27FC236}">
-                <a16:creationId xmlns:a16="http://schemas.microsoft.com/office/drawing/2014/main" id="{579CF973-B451-55D2-6155-95A27B39F348}"/>
-              </a:ext>
-            </a:extLst>
-          </p:cNvPr>
-          <p:cNvSpPr>
-            <a:spLocks noGrp="1"/>
-          </p:cNvSpPr>
-          <p:nvPr>
-            <p:ph idx="1"/>
-          </p:nvPr>
-        </p:nvSpPr>
-        <p:spPr>
-          <a:xfrm>
-            <a:off x="838200" y="1825625"/>
-            <a:ext cx="6938394" cy="4351338"/>
-          </a:xfrm>
-        </p:spPr>
-        <p:txBody>
-          <a:bodyPr>
-            <a:normAutofit/>
-          </a:bodyPr>
-          <a:lstStyle/>
-          <a:p>
-            <a:r>
-              <a:rPr lang="en-GB" dirty="0"/>
-              <a:t>JC1 is an organic molecule used as a ligand and JC2 is a Pt compound with a ligand similar to JC1.</a:t>
-            </a:r>
-          </a:p>
-          <a:p>
-            <a:r>
-              <a:rPr lang="en-GB" dirty="0"/>
-              <a:t>This would have been a collaboration with Sheffield University but was halted owing to COVID.</a:t>
-            </a:r>
-          </a:p>
-        </p:txBody>
-      </p:sp>
-      <p:pic>
-        <p:nvPicPr>
-          <p:cNvPr id="5" name="Picture 4" descr="A close up of a map&#10;&#10;Description automatically generated">
-            <a:extLst>
-              <a:ext uri="{FF2B5EF4-FFF2-40B4-BE49-F238E27FC236}">
-                <a16:creationId xmlns:a16="http://schemas.microsoft.com/office/drawing/2014/main" id="{65803AE4-4BC3-E6CB-162C-927502A4A234}"/>
-              </a:ext>
-            </a:extLst>
-          </p:cNvPr>
-          <p:cNvPicPr>
-            <a:picLocks noChangeAspect="1"/>
-          </p:cNvPicPr>
-          <p:nvPr/>
-        </p:nvPicPr>
-        <p:blipFill rotWithShape="1">
-          <a:blip r:embed="rId2" cstate="print">
-            <a:extLst>
-              <a:ext uri="{28A0092B-C50C-407E-A947-70E740481C1C}">
-                <a14:useLocalDpi xmlns:a14="http://schemas.microsoft.com/office/drawing/2010/main" val="0"/>
-              </a:ext>
-            </a:extLst>
-          </a:blip>
-          <a:srcRect l="4446" t="6375" r="4728" b="5549"/>
-          <a:stretch/>
-        </p:blipFill>
-        <p:spPr bwMode="auto">
-          <a:xfrm>
-            <a:off x="7650760" y="1971301"/>
-            <a:ext cx="4001303" cy="3478883"/>
-          </a:xfrm>
-          <a:prstGeom prst="rect">
-            <a:avLst/>
-          </a:prstGeom>
-          <a:ln>
-            <a:noFill/>
-          </a:ln>
-          <a:extLst>
-            <a:ext uri="{53640926-AAD7-44D8-BBD7-CCE9431645EC}">
-              <a14:shadowObscured xmlns:a14="http://schemas.microsoft.com/office/drawing/2010/main"/>
-            </a:ext>
-          </a:extLst>
-        </p:spPr>
-      </p:pic>
-    </p:spTree>
-    <p:extLst>
-      <p:ext uri="{BB962C8B-B14F-4D97-AF65-F5344CB8AC3E}">
-        <p14:creationId xmlns:p14="http://schemas.microsoft.com/office/powerpoint/2010/main" val="419963671"/>
-      </p:ext>
-    </p:extLst>
-  </p:cSld>
-  <p:clrMapOvr>
-    <a:masterClrMapping/>
-  </p:clrMapOvr>
-</p:sld>
-</file>
-
-<file path=ppt/slides/slide16.xml><?xml version="1.0" encoding="utf-8"?>
-<p:sld xmlns:a="http://schemas.openxmlformats.org/drawingml/2006/main" xmlns:r="http://schemas.openxmlformats.org/officeDocument/2006/relationships" xmlns:p="http://schemas.openxmlformats.org/presentationml/2006/main">
-  <p:cSld>
-    <p:spTree>
-      <p:nvGrpSpPr>
-        <p:cNvPr id="1" name=""/>
-        <p:cNvGrpSpPr/>
-        <p:nvPr/>
-      </p:nvGrpSpPr>
-      <p:grpSpPr>
-        <a:xfrm>
-          <a:off x="0" y="0"/>
-          <a:ext cx="0" cy="0"/>
-          <a:chOff x="0" y="0"/>
-          <a:chExt cx="0" cy="0"/>
-        </a:xfrm>
-      </p:grpSpPr>
-      <p:sp>
-        <p:nvSpPr>
-          <p:cNvPr id="2" name="Title 1">
-            <a:extLst>
-              <a:ext uri="{FF2B5EF4-FFF2-40B4-BE49-F238E27FC236}">
                 <a16:creationId xmlns:a16="http://schemas.microsoft.com/office/drawing/2014/main" id="{CA9647AC-9932-7A68-370E-E1621D2C945F}"/>
               </a:ext>
             </a:extLst>
@@ -4630,13 +4466,13 @@
           <a:p>
             <a:r>
               <a:rPr lang="en-GB" dirty="0"/>
-              <a:t>The calculated spectrum at 300 K showed excellent correlation with experiment but some thermodynamic properties were not accurately calculated.</a:t>
-            </a:r>
-          </a:p>
-          <a:p>
-            <a:r>
-              <a:rPr lang="en-GB" dirty="0"/>
-              <a:t>A 20 µm gap size was deemed as optimal for an incident laser power of 70 mW. Whilst GaAs devices are easier to align and have similar THz outputs, their transparency of sapphire devices is a key factor for future work.</a:t>
+              <a:t>The calculated spectrum at 300 K showed excellent correlation with experiment but some thermodynamic properties were not accurately calculated. Additionally, one mode is still not properly represented.</a:t>
+            </a:r>
+          </a:p>
+          <a:p>
+            <a:r>
+              <a:rPr lang="en-GB" dirty="0"/>
+              <a:t>A 20 µm gap size was deemed as optimal for an incident laser power of 70 mW. Whilst GaAs devices are easier to align and have similar THz outputs, the transparency of sapphire devices is a key factor for future work.</a:t>
             </a:r>
           </a:p>
         </p:txBody>
@@ -4724,8 +4560,11 @@
           <a:p>
             <a:r>
               <a:rPr lang="en-GB" dirty="0"/>
-              <a:t>To improve the interpretation of THz-TD spectra of crystalline materials, particularly at room temperature.</a:t>
-            </a:r>
+              <a:t>To improve the interpretation of THz absorption spectra of crystalline materials, particularly at room temperature.</a:t>
+            </a:r>
+          </a:p>
+          <a:p>
+            <a:endParaRPr lang="en-GB" dirty="0"/>
           </a:p>
           <a:p>
             <a:r>
@@ -4740,6 +4579,9 @@
               <a:rPr lang="en-GB" dirty="0"/>
               <a:t>LM which is a common THz standard</a:t>
             </a:r>
+          </a:p>
+          <a:p>
+            <a:endParaRPr lang="en-GB" dirty="0"/>
           </a:p>
           <a:p>
             <a:r>
@@ -4772,7 +4614,7 @@
 </file>
 
 <file path=ppt/slides/slide3.xml><?xml version="1.0" encoding="utf-8"?>
-<p:sld xmlns:a="http://schemas.openxmlformats.org/drawingml/2006/main" xmlns:r="http://schemas.openxmlformats.org/officeDocument/2006/relationships" xmlns:p="http://schemas.openxmlformats.org/presentationml/2006/main" show="0">
+<p:sld xmlns:a="http://schemas.openxmlformats.org/drawingml/2006/main" xmlns:r="http://schemas.openxmlformats.org/officeDocument/2006/relationships" xmlns:p="http://schemas.openxmlformats.org/presentationml/2006/main">
   <p:cSld>
     <p:spTree>
       <p:nvGrpSpPr>
@@ -4810,66 +4652,108 @@
           <a:lstStyle/>
           <a:p>
             <a:r>
-              <a:rPr lang="en-GB" dirty="0"/>
-              <a:t>Project Aims</a:t>
-            </a:r>
-          </a:p>
-        </p:txBody>
-      </p:sp>
-      <p:sp>
-        <p:nvSpPr>
-          <p:cNvPr id="3" name="Content Placeholder 2">
-            <a:extLst>
-              <a:ext uri="{FF2B5EF4-FFF2-40B4-BE49-F238E27FC236}">
-                <a16:creationId xmlns:a16="http://schemas.microsoft.com/office/drawing/2014/main" id="{1041B9E5-7CFE-A548-87A6-821053CE51E0}"/>
-              </a:ext>
-            </a:extLst>
-          </p:cNvPr>
-          <p:cNvSpPr>
-            <a:spLocks noGrp="1"/>
-          </p:cNvSpPr>
-          <p:nvPr>
-            <p:ph idx="1"/>
-          </p:nvPr>
-        </p:nvSpPr>
-        <p:spPr/>
-        <p:txBody>
-          <a:bodyPr>
-            <a:normAutofit/>
-          </a:bodyPr>
-          <a:lstStyle/>
-          <a:p>
-            <a:r>
-              <a:rPr lang="en-GB" dirty="0"/>
-              <a:t>My focus switched to improving the correlation between experimental and calculated spectra and understanding the underlying phenomena.</a:t>
-            </a:r>
-          </a:p>
-          <a:p>
-            <a:r>
-              <a:rPr lang="en-GB" dirty="0"/>
-              <a:t>This was primarily with organic crystals, specifically </a:t>
-            </a:r>
-            <a:r>
               <a:rPr lang="el-GR" dirty="0"/>
               <a:t>α</a:t>
             </a:r>
             <a:r>
               <a:rPr lang="en-GB" dirty="0"/>
-              <a:t>LM, but investigations into other types of systems were attempted.</a:t>
-            </a:r>
-          </a:p>
-          <a:p>
-            <a:r>
-              <a:rPr lang="en-GB" dirty="0"/>
-              <a:t>Additionally, owing to the constraints on the new THz-TDS system, the gap-sizes of PC emitters were optimised for lower laser powers.</a:t>
-            </a:r>
-          </a:p>
-        </p:txBody>
-      </p:sp>
+              <a:t>-Lactose Monohydrate </a:t>
+            </a:r>
+          </a:p>
+        </p:txBody>
+      </p:sp>
+      <p:sp>
+        <p:nvSpPr>
+          <p:cNvPr id="3" name="Content Placeholder 2">
+            <a:extLst>
+              <a:ext uri="{FF2B5EF4-FFF2-40B4-BE49-F238E27FC236}">
+                <a16:creationId xmlns:a16="http://schemas.microsoft.com/office/drawing/2014/main" id="{1041B9E5-7CFE-A548-87A6-821053CE51E0}"/>
+              </a:ext>
+            </a:extLst>
+          </p:cNvPr>
+          <p:cNvSpPr>
+            <a:spLocks noGrp="1"/>
+          </p:cNvSpPr>
+          <p:nvPr>
+            <p:ph idx="1"/>
+          </p:nvPr>
+        </p:nvSpPr>
+        <p:spPr>
+          <a:xfrm>
+            <a:off x="838200" y="1825625"/>
+            <a:ext cx="5445154" cy="4351338"/>
+          </a:xfrm>
+        </p:spPr>
+        <p:txBody>
+          <a:bodyPr/>
+          <a:lstStyle/>
+          <a:p>
+            <a:r>
+              <a:rPr lang="el-GR" dirty="0"/>
+              <a:t>α</a:t>
+            </a:r>
+            <a:r>
+              <a:rPr lang="en-GB" dirty="0"/>
+              <a:t>LM was focused on in this work because of its sharp peak at 0.52 THz.</a:t>
+            </a:r>
+          </a:p>
+          <a:p>
+            <a:r>
+              <a:rPr lang="en-GB" dirty="0"/>
+              <a:t>This peak does not shift with temperature which is unusual for phonon modes.</a:t>
+            </a:r>
+          </a:p>
+          <a:p>
+            <a:r>
+              <a:rPr lang="el-GR" dirty="0"/>
+              <a:t>α</a:t>
+            </a:r>
+            <a:r>
+              <a:rPr lang="en-GB" dirty="0"/>
+              <a:t>LM is a good THz standard.</a:t>
+            </a:r>
+          </a:p>
+        </p:txBody>
+      </p:sp>
+      <p:pic>
+        <p:nvPicPr>
+          <p:cNvPr id="5" name="Picture 4" descr="Diagram&#10;&#10;Description automatically generated">
+            <a:extLst>
+              <a:ext uri="{FF2B5EF4-FFF2-40B4-BE49-F238E27FC236}">
+                <a16:creationId xmlns:a16="http://schemas.microsoft.com/office/drawing/2014/main" id="{256EB01B-8462-B1C1-AB44-9C4B8CE064F2}"/>
+              </a:ext>
+            </a:extLst>
+          </p:cNvPr>
+          <p:cNvPicPr>
+            <a:picLocks noChangeAspect="1"/>
+          </p:cNvPicPr>
+          <p:nvPr/>
+        </p:nvPicPr>
+        <p:blipFill rotWithShape="1">
+          <a:blip r:embed="rId2">
+            <a:extLst>
+              <a:ext uri="{28A0092B-C50C-407E-A947-70E740481C1C}">
+                <a14:useLocalDpi xmlns:a14="http://schemas.microsoft.com/office/drawing/2010/main" val="0"/>
+              </a:ext>
+            </a:extLst>
+          </a:blip>
+          <a:srcRect l="9001" t="2404" r="10812" b="6406"/>
+          <a:stretch/>
+        </p:blipFill>
+        <p:spPr>
+          <a:xfrm>
+            <a:off x="6096000" y="1690688"/>
+            <a:ext cx="5902036" cy="5137242"/>
+          </a:xfrm>
+          <a:prstGeom prst="rect">
+            <a:avLst/>
+          </a:prstGeom>
+        </p:spPr>
+      </p:pic>
     </p:spTree>
     <p:extLst>
       <p:ext uri="{BB962C8B-B14F-4D97-AF65-F5344CB8AC3E}">
-        <p14:creationId xmlns:p14="http://schemas.microsoft.com/office/powerpoint/2010/main" val="4255108410"/>
+        <p14:creationId xmlns:p14="http://schemas.microsoft.com/office/powerpoint/2010/main" val="606679799"/>
       </p:ext>
     </p:extLst>
   </p:cSld>
@@ -4901,152 +4785,6 @@
           <p:cNvPr id="2" name="Title 1">
             <a:extLst>
               <a:ext uri="{FF2B5EF4-FFF2-40B4-BE49-F238E27FC236}">
-                <a16:creationId xmlns:a16="http://schemas.microsoft.com/office/drawing/2014/main" id="{BA61B1CD-69B1-89C8-119A-1A7176702559}"/>
-              </a:ext>
-            </a:extLst>
-          </p:cNvPr>
-          <p:cNvSpPr>
-            <a:spLocks noGrp="1"/>
-          </p:cNvSpPr>
-          <p:nvPr>
-            <p:ph type="title"/>
-          </p:nvPr>
-        </p:nvSpPr>
-        <p:spPr/>
-        <p:txBody>
-          <a:bodyPr/>
-          <a:lstStyle/>
-          <a:p>
-            <a:r>
-              <a:rPr lang="el-GR" dirty="0"/>
-              <a:t>α</a:t>
-            </a:r>
-            <a:r>
-              <a:rPr lang="en-GB" dirty="0"/>
-              <a:t>-Lactose Monohydrate </a:t>
-            </a:r>
-          </a:p>
-        </p:txBody>
-      </p:sp>
-      <p:sp>
-        <p:nvSpPr>
-          <p:cNvPr id="3" name="Content Placeholder 2">
-            <a:extLst>
-              <a:ext uri="{FF2B5EF4-FFF2-40B4-BE49-F238E27FC236}">
-                <a16:creationId xmlns:a16="http://schemas.microsoft.com/office/drawing/2014/main" id="{1041B9E5-7CFE-A548-87A6-821053CE51E0}"/>
-              </a:ext>
-            </a:extLst>
-          </p:cNvPr>
-          <p:cNvSpPr>
-            <a:spLocks noGrp="1"/>
-          </p:cNvSpPr>
-          <p:nvPr>
-            <p:ph idx="1"/>
-          </p:nvPr>
-        </p:nvSpPr>
-        <p:spPr>
-          <a:xfrm>
-            <a:off x="838200" y="1825625"/>
-            <a:ext cx="5445154" cy="4351338"/>
-          </a:xfrm>
-        </p:spPr>
-        <p:txBody>
-          <a:bodyPr/>
-          <a:lstStyle/>
-          <a:p>
-            <a:r>
-              <a:rPr lang="el-GR" dirty="0"/>
-              <a:t>α</a:t>
-            </a:r>
-            <a:r>
-              <a:rPr lang="en-GB" dirty="0"/>
-              <a:t>LM was focused on in this work because of its sharp peak at 0.52 GHz.</a:t>
-            </a:r>
-          </a:p>
-          <a:p>
-            <a:r>
-              <a:rPr lang="en-GB" dirty="0"/>
-              <a:t>This peak does not shift with temperature which is unusual for phonon modes.</a:t>
-            </a:r>
-          </a:p>
-          <a:p>
-            <a:r>
-              <a:rPr lang="en-GB" dirty="0"/>
-              <a:t>4 simple reasons why this is a good standard</a:t>
-            </a:r>
-          </a:p>
-        </p:txBody>
-      </p:sp>
-      <p:pic>
-        <p:nvPicPr>
-          <p:cNvPr id="5" name="Picture 4" descr="Diagram&#10;&#10;Description automatically generated">
-            <a:extLst>
-              <a:ext uri="{FF2B5EF4-FFF2-40B4-BE49-F238E27FC236}">
-                <a16:creationId xmlns:a16="http://schemas.microsoft.com/office/drawing/2014/main" id="{256EB01B-8462-B1C1-AB44-9C4B8CE064F2}"/>
-              </a:ext>
-            </a:extLst>
-          </p:cNvPr>
-          <p:cNvPicPr>
-            <a:picLocks noChangeAspect="1"/>
-          </p:cNvPicPr>
-          <p:nvPr/>
-        </p:nvPicPr>
-        <p:blipFill rotWithShape="1">
-          <a:blip r:embed="rId2">
-            <a:extLst>
-              <a:ext uri="{28A0092B-C50C-407E-A947-70E740481C1C}">
-                <a14:useLocalDpi xmlns:a14="http://schemas.microsoft.com/office/drawing/2010/main" val="0"/>
-              </a:ext>
-            </a:extLst>
-          </a:blip>
-          <a:srcRect l="9001" t="2404" r="10812" b="6406"/>
-          <a:stretch/>
-        </p:blipFill>
-        <p:spPr>
-          <a:xfrm>
-            <a:off x="6409294" y="1239037"/>
-            <a:ext cx="5306456" cy="4618838"/>
-          </a:xfrm>
-          <a:prstGeom prst="rect">
-            <a:avLst/>
-          </a:prstGeom>
-        </p:spPr>
-      </p:pic>
-    </p:spTree>
-    <p:extLst>
-      <p:ext uri="{BB962C8B-B14F-4D97-AF65-F5344CB8AC3E}">
-        <p14:creationId xmlns:p14="http://schemas.microsoft.com/office/powerpoint/2010/main" val="606679799"/>
-      </p:ext>
-    </p:extLst>
-  </p:cSld>
-  <p:clrMapOvr>
-    <a:masterClrMapping/>
-  </p:clrMapOvr>
-</p:sld>
-</file>
-
-<file path=ppt/slides/slide5.xml><?xml version="1.0" encoding="utf-8"?>
-<p:sld xmlns:a="http://schemas.openxmlformats.org/drawingml/2006/main" xmlns:r="http://schemas.openxmlformats.org/officeDocument/2006/relationships" xmlns:p="http://schemas.openxmlformats.org/presentationml/2006/main">
-  <p:cSld>
-    <p:spTree>
-      <p:nvGrpSpPr>
-        <p:cNvPr id="1" name=""/>
-        <p:cNvGrpSpPr/>
-        <p:nvPr/>
-      </p:nvGrpSpPr>
-      <p:grpSpPr>
-        <a:xfrm>
-          <a:off x="0" y="0"/>
-          <a:ext cx="0" cy="0"/>
-          <a:chOff x="0" y="0"/>
-          <a:chExt cx="0" cy="0"/>
-        </a:xfrm>
-      </p:grpSpPr>
-      <p:sp>
-        <p:nvSpPr>
-          <p:cNvPr id="2" name="Title 1">
-            <a:extLst>
-              <a:ext uri="{FF2B5EF4-FFF2-40B4-BE49-F238E27FC236}">
                 <a16:creationId xmlns:a16="http://schemas.microsoft.com/office/drawing/2014/main" id="{E3908531-B164-5EE2-A81A-339DC63E1BAB}"/>
               </a:ext>
             </a:extLst>
@@ -5093,7 +4831,9 @@
           </a:xfrm>
         </p:spPr>
         <p:txBody>
-          <a:bodyPr/>
+          <a:bodyPr>
+            <a:normAutofit lnSpcReduction="10000"/>
+          </a:bodyPr>
           <a:lstStyle/>
           <a:p>
             <a:r>
@@ -5110,13 +4850,19 @@
           <a:p>
             <a:r>
               <a:rPr lang="en-GB" dirty="0"/>
-              <a:t>Room-temperature and low-temperature measurements were performed.</a:t>
+              <a:t>Variable-temperature measurements were performed.</a:t>
             </a:r>
           </a:p>
           <a:p>
             <a:r>
               <a:rPr lang="en-GB" dirty="0"/>
               <a:t>PC antennas with gap sizes of 5, 10, 20 and 40 µm were tested using varying incident laser powers.</a:t>
+            </a:r>
+          </a:p>
+          <a:p>
+            <a:r>
+              <a:rPr lang="en-GB" dirty="0"/>
+              <a:t>The new THz-TDS system was mostly constructed.</a:t>
             </a:r>
           </a:p>
           <a:p>
@@ -5209,6 +4955,126 @@
 </p:sld>
 </file>
 
+<file path=ppt/slides/slide5.xml><?xml version="1.0" encoding="utf-8"?>
+<p:sld xmlns:a="http://schemas.openxmlformats.org/drawingml/2006/main" xmlns:r="http://schemas.openxmlformats.org/officeDocument/2006/relationships" xmlns:p="http://schemas.openxmlformats.org/presentationml/2006/main">
+  <p:cSld>
+    <p:spTree>
+      <p:nvGrpSpPr>
+        <p:cNvPr id="1" name=""/>
+        <p:cNvGrpSpPr/>
+        <p:nvPr/>
+      </p:nvGrpSpPr>
+      <p:grpSpPr>
+        <a:xfrm>
+          <a:off x="0" y="0"/>
+          <a:ext cx="0" cy="0"/>
+          <a:chOff x="0" y="0"/>
+          <a:chExt cx="0" cy="0"/>
+        </a:xfrm>
+      </p:grpSpPr>
+      <p:sp>
+        <p:nvSpPr>
+          <p:cNvPr id="2" name="Title 1">
+            <a:extLst>
+              <a:ext uri="{FF2B5EF4-FFF2-40B4-BE49-F238E27FC236}">
+                <a16:creationId xmlns:a16="http://schemas.microsoft.com/office/drawing/2014/main" id="{907FB7DE-17BF-792E-316B-3D664E3B1989}"/>
+              </a:ext>
+            </a:extLst>
+          </p:cNvPr>
+          <p:cNvSpPr>
+            <a:spLocks noGrp="1"/>
+          </p:cNvSpPr>
+          <p:nvPr>
+            <p:ph type="title"/>
+          </p:nvPr>
+        </p:nvSpPr>
+        <p:spPr/>
+        <p:txBody>
+          <a:bodyPr/>
+          <a:lstStyle/>
+          <a:p>
+            <a:r>
+              <a:rPr lang="en-GB" dirty="0"/>
+              <a:t>Computational Methods</a:t>
+            </a:r>
+          </a:p>
+        </p:txBody>
+      </p:sp>
+      <p:sp>
+        <p:nvSpPr>
+          <p:cNvPr id="3" name="Content Placeholder 2">
+            <a:extLst>
+              <a:ext uri="{FF2B5EF4-FFF2-40B4-BE49-F238E27FC236}">
+                <a16:creationId xmlns:a16="http://schemas.microsoft.com/office/drawing/2014/main" id="{F7437915-7DE1-421B-A51C-532F29CD359B}"/>
+              </a:ext>
+            </a:extLst>
+          </p:cNvPr>
+          <p:cNvSpPr>
+            <a:spLocks noGrp="1"/>
+          </p:cNvSpPr>
+          <p:nvPr>
+            <p:ph idx="1"/>
+          </p:nvPr>
+        </p:nvSpPr>
+        <p:spPr/>
+        <p:txBody>
+          <a:bodyPr/>
+          <a:lstStyle/>
+          <a:p>
+            <a:r>
+              <a:rPr lang="en-GB" dirty="0"/>
+              <a:t>DFT (VASP) was used throughout to calculate the phonon modes.</a:t>
+            </a:r>
+          </a:p>
+          <a:p>
+            <a:r>
+              <a:rPr lang="en-GB" dirty="0"/>
+              <a:t>PDielec was used to construct a THz absorption spectrum from the DFT calculation to compare with experiment.</a:t>
+            </a:r>
+          </a:p>
+          <a:p>
+            <a:r>
+              <a:rPr lang="en-GB" dirty="0"/>
+              <a:t>An investigation into dispersion corrections, which account for non-local bonding, was undertaken as these are vital for systems such as </a:t>
+            </a:r>
+            <a:r>
+              <a:rPr lang="el-GR" dirty="0"/>
+              <a:t>α</a:t>
+            </a:r>
+            <a:r>
+              <a:rPr lang="en-GB" dirty="0"/>
+              <a:t>LM.</a:t>
+            </a:r>
+          </a:p>
+          <a:p>
+            <a:r>
+              <a:rPr lang="en-GB" dirty="0"/>
+              <a:t>The Quasi-Harmonic Approximation was used to calculate the thermal properties of </a:t>
+            </a:r>
+            <a:r>
+              <a:rPr lang="el-GR" dirty="0"/>
+              <a:t>α</a:t>
+            </a:r>
+            <a:r>
+              <a:rPr lang="en-GB" dirty="0"/>
+              <a:t>LM, which were used to calculate a room-temperature THz absorption spectrum.</a:t>
+            </a:r>
+          </a:p>
+        </p:txBody>
+      </p:sp>
+    </p:spTree>
+    <p:extLst>
+      <p:ext uri="{BB962C8B-B14F-4D97-AF65-F5344CB8AC3E}">
+        <p14:creationId xmlns:p14="http://schemas.microsoft.com/office/powerpoint/2010/main" val="1259095874"/>
+      </p:ext>
+    </p:extLst>
+  </p:cSld>
+  <p:clrMapOvr>
+    <a:masterClrMapping/>
+  </p:clrMapOvr>
+</p:sld>
+</file>
+
 <file path=ppt/slides/slide6.xml><?xml version="1.0" encoding="utf-8"?>
 <p:sld xmlns:a="http://schemas.openxmlformats.org/drawingml/2006/main" xmlns:r="http://schemas.openxmlformats.org/officeDocument/2006/relationships" xmlns:p="http://schemas.openxmlformats.org/presentationml/2006/main">
   <p:cSld>
@@ -5231,126 +5097,6 @@
           <p:cNvPr id="2" name="Title 1">
             <a:extLst>
               <a:ext uri="{FF2B5EF4-FFF2-40B4-BE49-F238E27FC236}">
-                <a16:creationId xmlns:a16="http://schemas.microsoft.com/office/drawing/2014/main" id="{907FB7DE-17BF-792E-316B-3D664E3B1989}"/>
-              </a:ext>
-            </a:extLst>
-          </p:cNvPr>
-          <p:cNvSpPr>
-            <a:spLocks noGrp="1"/>
-          </p:cNvSpPr>
-          <p:nvPr>
-            <p:ph type="title"/>
-          </p:nvPr>
-        </p:nvSpPr>
-        <p:spPr/>
-        <p:txBody>
-          <a:bodyPr/>
-          <a:lstStyle/>
-          <a:p>
-            <a:r>
-              <a:rPr lang="en-GB" dirty="0"/>
-              <a:t>Computational Methods</a:t>
-            </a:r>
-          </a:p>
-        </p:txBody>
-      </p:sp>
-      <p:sp>
-        <p:nvSpPr>
-          <p:cNvPr id="3" name="Content Placeholder 2">
-            <a:extLst>
-              <a:ext uri="{FF2B5EF4-FFF2-40B4-BE49-F238E27FC236}">
-                <a16:creationId xmlns:a16="http://schemas.microsoft.com/office/drawing/2014/main" id="{F7437915-7DE1-421B-A51C-532F29CD359B}"/>
-              </a:ext>
-            </a:extLst>
-          </p:cNvPr>
-          <p:cNvSpPr>
-            <a:spLocks noGrp="1"/>
-          </p:cNvSpPr>
-          <p:nvPr>
-            <p:ph idx="1"/>
-          </p:nvPr>
-        </p:nvSpPr>
-        <p:spPr/>
-        <p:txBody>
-          <a:bodyPr/>
-          <a:lstStyle/>
-          <a:p>
-            <a:r>
-              <a:rPr lang="en-GB" dirty="0"/>
-              <a:t>DFT (VASP) was used throughout to calculate the phonon modes.</a:t>
-            </a:r>
-          </a:p>
-          <a:p>
-            <a:r>
-              <a:rPr lang="en-GB" dirty="0"/>
-              <a:t>PDielec was used to construct a THz absorption spectrum from the DFT calculation to compare with experiment.</a:t>
-            </a:r>
-          </a:p>
-          <a:p>
-            <a:r>
-              <a:rPr lang="en-GB" dirty="0"/>
-              <a:t>An investigation into dispersion corrections, which account for non-local bonding, was undertaken as these are vital for systems such as </a:t>
-            </a:r>
-            <a:r>
-              <a:rPr lang="el-GR" dirty="0"/>
-              <a:t>α</a:t>
-            </a:r>
-            <a:r>
-              <a:rPr lang="en-GB" dirty="0"/>
-              <a:t>LM.</a:t>
-            </a:r>
-          </a:p>
-          <a:p>
-            <a:r>
-              <a:rPr lang="en-GB" dirty="0"/>
-              <a:t>The Quasi-Harmonic Approximation was used to calculate the thermal properties of </a:t>
-            </a:r>
-            <a:r>
-              <a:rPr lang="el-GR" dirty="0"/>
-              <a:t>α</a:t>
-            </a:r>
-            <a:r>
-              <a:rPr lang="en-GB" dirty="0"/>
-              <a:t>LM, which were used to calculate a room-temperature THz absorption spectrum.</a:t>
-            </a:r>
-          </a:p>
-        </p:txBody>
-      </p:sp>
-    </p:spTree>
-    <p:extLst>
-      <p:ext uri="{BB962C8B-B14F-4D97-AF65-F5344CB8AC3E}">
-        <p14:creationId xmlns:p14="http://schemas.microsoft.com/office/powerpoint/2010/main" val="1259095874"/>
-      </p:ext>
-    </p:extLst>
-  </p:cSld>
-  <p:clrMapOvr>
-    <a:masterClrMapping/>
-  </p:clrMapOvr>
-</p:sld>
-</file>
-
-<file path=ppt/slides/slide7.xml><?xml version="1.0" encoding="utf-8"?>
-<p:sld xmlns:a="http://schemas.openxmlformats.org/drawingml/2006/main" xmlns:r="http://schemas.openxmlformats.org/officeDocument/2006/relationships" xmlns:p="http://schemas.openxmlformats.org/presentationml/2006/main">
-  <p:cSld>
-    <p:spTree>
-      <p:nvGrpSpPr>
-        <p:cNvPr id="1" name=""/>
-        <p:cNvGrpSpPr/>
-        <p:nvPr/>
-      </p:nvGrpSpPr>
-      <p:grpSpPr>
-        <a:xfrm>
-          <a:off x="0" y="0"/>
-          <a:ext cx="0" cy="0"/>
-          <a:chOff x="0" y="0"/>
-          <a:chExt cx="0" cy="0"/>
-        </a:xfrm>
-      </p:grpSpPr>
-      <p:sp>
-        <p:nvSpPr>
-          <p:cNvPr id="2" name="Title 1">
-            <a:extLst>
-              <a:ext uri="{FF2B5EF4-FFF2-40B4-BE49-F238E27FC236}">
                 <a16:creationId xmlns:a16="http://schemas.microsoft.com/office/drawing/2014/main" id="{9CC2CF20-BB56-6F34-839D-D0EC8B41BF7E}"/>
               </a:ext>
             </a:extLst>
@@ -5403,12 +5149,6 @@
             <a:r>
               <a:rPr lang="en-GB" dirty="0"/>
               <a:t>A number of dispersion corrections were tested.</a:t>
-            </a:r>
-          </a:p>
-          <a:p>
-            <a:r>
-              <a:rPr lang="en-GB" dirty="0"/>
-              <a:t>Comparing spectra is hard</a:t>
             </a:r>
           </a:p>
           <a:p>
@@ -5510,9 +5250,17 @@
 </p:sld>
 </file>
 
-<file path=ppt/slides/slide8.xml><?xml version="1.0" encoding="utf-8"?>
+<file path=ppt/slides/slide7.xml><?xml version="1.0" encoding="utf-8"?>
 <p:sld xmlns:a="http://schemas.openxmlformats.org/drawingml/2006/main" xmlns:r="http://schemas.openxmlformats.org/officeDocument/2006/relationships" xmlns:p="http://schemas.openxmlformats.org/presentationml/2006/main">
   <p:cSld>
+    <p:bg>
+      <p:bgPr>
+        <a:solidFill>
+          <a:schemeClr val="bg1"/>
+        </a:solidFill>
+        <a:effectLst/>
+      </p:bgPr>
+    </p:bg>
     <p:spTree>
       <p:nvGrpSpPr>
         <p:cNvPr id="1" name=""/>
@@ -5527,56 +5275,6 @@
           <a:chExt cx="0" cy="0"/>
         </a:xfrm>
       </p:grpSpPr>
-      <p:sp>
-        <p:nvSpPr>
-          <p:cNvPr id="2" name="Title 1">
-            <a:extLst>
-              <a:ext uri="{FF2B5EF4-FFF2-40B4-BE49-F238E27FC236}">
-                <a16:creationId xmlns:a16="http://schemas.microsoft.com/office/drawing/2014/main" id="{5E3E8CA5-0CCA-A3D9-5F66-54923F09A133}"/>
-              </a:ext>
-            </a:extLst>
-          </p:cNvPr>
-          <p:cNvSpPr>
-            <a:spLocks noGrp="1"/>
-          </p:cNvSpPr>
-          <p:nvPr>
-            <p:ph type="title"/>
-          </p:nvPr>
-        </p:nvSpPr>
-        <p:spPr/>
-        <p:txBody>
-          <a:bodyPr/>
-          <a:lstStyle/>
-          <a:p>
-            <a:endParaRPr lang="en-GB"/>
-          </a:p>
-        </p:txBody>
-      </p:sp>
-      <p:sp>
-        <p:nvSpPr>
-          <p:cNvPr id="3" name="Content Placeholder 2">
-            <a:extLst>
-              <a:ext uri="{FF2B5EF4-FFF2-40B4-BE49-F238E27FC236}">
-                <a16:creationId xmlns:a16="http://schemas.microsoft.com/office/drawing/2014/main" id="{A081B0CD-A6D9-5EBD-DD37-A4F41BAB6B2D}"/>
-              </a:ext>
-            </a:extLst>
-          </p:cNvPr>
-          <p:cNvSpPr>
-            <a:spLocks noGrp="1"/>
-          </p:cNvSpPr>
-          <p:nvPr>
-            <p:ph idx="1"/>
-          </p:nvPr>
-        </p:nvSpPr>
-        <p:spPr/>
-        <p:txBody>
-          <a:bodyPr/>
-          <a:lstStyle/>
-          <a:p>
-            <a:endParaRPr lang="en-GB"/>
-          </a:p>
-        </p:txBody>
-      </p:sp>
       <p:pic>
         <p:nvPicPr>
           <p:cNvPr id="4" name="Picture 3" descr="Chart, histogram&#10;&#10;Description automatically generated">
@@ -5605,8 +5303,8 @@
         </p:blipFill>
         <p:spPr>
           <a:xfrm>
-            <a:off x="1981200" y="68355"/>
-            <a:ext cx="7439025" cy="6789645"/>
+            <a:off x="2339041" y="0"/>
+            <a:ext cx="7513918" cy="6858000"/>
           </a:xfrm>
           <a:prstGeom prst="rect">
             <a:avLst/>
@@ -5626,7 +5324,7 @@
 </p:sld>
 </file>
 
-<file path=ppt/slides/slide9.xml><?xml version="1.0" encoding="utf-8"?>
+<file path=ppt/slides/slide8.xml><?xml version="1.0" encoding="utf-8"?>
 <p:sld xmlns:a="http://schemas.openxmlformats.org/drawingml/2006/main" xmlns:r="http://schemas.openxmlformats.org/officeDocument/2006/relationships" xmlns:p="http://schemas.openxmlformats.org/presentationml/2006/main">
   <p:cSld>
     <p:spTree>
@@ -5856,6 +5554,150 @@
     <p:extLst>
       <p:ext uri="{BB962C8B-B14F-4D97-AF65-F5344CB8AC3E}">
         <p14:creationId xmlns:p14="http://schemas.microsoft.com/office/powerpoint/2010/main" val="89246411"/>
+      </p:ext>
+    </p:extLst>
+  </p:cSld>
+  <p:clrMapOvr>
+    <a:masterClrMapping/>
+  </p:clrMapOvr>
+</p:sld>
+</file>
+
+<file path=ppt/slides/slide9.xml><?xml version="1.0" encoding="utf-8"?>
+<p:sld xmlns:a="http://schemas.openxmlformats.org/drawingml/2006/main" xmlns:r="http://schemas.openxmlformats.org/officeDocument/2006/relationships" xmlns:p="http://schemas.openxmlformats.org/presentationml/2006/main">
+  <p:cSld>
+    <p:spTree>
+      <p:nvGrpSpPr>
+        <p:cNvPr id="1" name=""/>
+        <p:cNvGrpSpPr/>
+        <p:nvPr/>
+      </p:nvGrpSpPr>
+      <p:grpSpPr>
+        <a:xfrm>
+          <a:off x="0" y="0"/>
+          <a:ext cx="0" cy="0"/>
+          <a:chOff x="0" y="0"/>
+          <a:chExt cx="0" cy="0"/>
+        </a:xfrm>
+      </p:grpSpPr>
+      <p:sp>
+        <p:nvSpPr>
+          <p:cNvPr id="2" name="Title 1">
+            <a:extLst>
+              <a:ext uri="{FF2B5EF4-FFF2-40B4-BE49-F238E27FC236}">
+                <a16:creationId xmlns:a16="http://schemas.microsoft.com/office/drawing/2014/main" id="{9CC2CF20-BB56-6F34-839D-D0EC8B41BF7E}"/>
+              </a:ext>
+            </a:extLst>
+          </p:cNvPr>
+          <p:cNvSpPr>
+            <a:spLocks noGrp="1"/>
+          </p:cNvSpPr>
+          <p:nvPr>
+            <p:ph type="title"/>
+          </p:nvPr>
+        </p:nvSpPr>
+        <p:spPr/>
+        <p:txBody>
+          <a:bodyPr/>
+          <a:lstStyle/>
+          <a:p>
+            <a:r>
+              <a:rPr lang="en-GB" dirty="0"/>
+              <a:t>Key Results – Quasi-Harmonic Approximation</a:t>
+            </a:r>
+          </a:p>
+        </p:txBody>
+      </p:sp>
+      <p:sp>
+        <p:nvSpPr>
+          <p:cNvPr id="3" name="Content Placeholder 2">
+            <a:extLst>
+              <a:ext uri="{FF2B5EF4-FFF2-40B4-BE49-F238E27FC236}">
+                <a16:creationId xmlns:a16="http://schemas.microsoft.com/office/drawing/2014/main" id="{579CF973-B451-55D2-6155-95A27B39F348}"/>
+              </a:ext>
+            </a:extLst>
+          </p:cNvPr>
+          <p:cNvSpPr>
+            <a:spLocks noGrp="1"/>
+          </p:cNvSpPr>
+          <p:nvPr>
+            <p:ph idx="1"/>
+          </p:nvPr>
+        </p:nvSpPr>
+        <p:spPr>
+          <a:xfrm>
+            <a:off x="838200" y="1825625"/>
+            <a:ext cx="5668538" cy="4351338"/>
+          </a:xfrm>
+        </p:spPr>
+        <p:txBody>
+          <a:bodyPr/>
+          <a:lstStyle/>
+          <a:p>
+            <a:r>
+              <a:rPr lang="en-GB" dirty="0"/>
+              <a:t>Experimental spectra were measured between 4 and 300 K in 50 K increments.</a:t>
+            </a:r>
+          </a:p>
+          <a:p>
+            <a:r>
+              <a:rPr lang="en-GB" dirty="0"/>
+              <a:t>Modes follow expected trend of red-shifting with temperature except 1</a:t>
+            </a:r>
+            <a:r>
+              <a:rPr lang="en-GB" baseline="30000" dirty="0"/>
+              <a:t>st</a:t>
+            </a:r>
+            <a:r>
+              <a:rPr lang="en-GB" dirty="0"/>
+              <a:t> mode.</a:t>
+            </a:r>
+          </a:p>
+          <a:p>
+            <a:endParaRPr lang="en-GB" dirty="0"/>
+          </a:p>
+        </p:txBody>
+      </p:sp>
+      <p:pic>
+        <p:nvPicPr>
+          <p:cNvPr id="5" name="Picture 4" descr="Chart&#10;&#10;Description automatically generated">
+            <a:extLst>
+              <a:ext uri="{FF2B5EF4-FFF2-40B4-BE49-F238E27FC236}">
+                <a16:creationId xmlns:a16="http://schemas.microsoft.com/office/drawing/2014/main" id="{1D61CB55-5F55-B8BA-0876-873BBC9D3DA1}"/>
+              </a:ext>
+            </a:extLst>
+          </p:cNvPr>
+          <p:cNvPicPr>
+            <a:picLocks noChangeAspect="1"/>
+          </p:cNvPicPr>
+          <p:nvPr/>
+        </p:nvPicPr>
+        <p:blipFill>
+          <a:blip r:embed="rId2">
+            <a:extLst>
+              <a:ext uri="{28A0092B-C50C-407E-A947-70E740481C1C}">
+                <a14:useLocalDpi xmlns:a14="http://schemas.microsoft.com/office/drawing/2010/main" val="0"/>
+              </a:ext>
+            </a:extLst>
+          </a:blip>
+          <a:stretch>
+            <a:fillRect/>
+          </a:stretch>
+        </p:blipFill>
+        <p:spPr>
+          <a:xfrm>
+            <a:off x="6506738" y="1825625"/>
+            <a:ext cx="5070070" cy="4109474"/>
+          </a:xfrm>
+          <a:prstGeom prst="rect">
+            <a:avLst/>
+          </a:prstGeom>
+        </p:spPr>
+      </p:pic>
+    </p:spTree>
+    <p:extLst>
+      <p:ext uri="{BB962C8B-B14F-4D97-AF65-F5344CB8AC3E}">
+        <p14:creationId xmlns:p14="http://schemas.microsoft.com/office/powerpoint/2010/main" val="1297900223"/>
       </p:ext>
     </p:extLst>
   </p:cSld>
